--- a/2-Java-Programmer-Modulo-II/06.Capitulo01.pptx
+++ b/2-Java-Programmer-Modulo-II/06.Capitulo01.pptx
@@ -255,7 +255,7 @@
               <a:pPr>
                 <a:defRPr/>
               </a:pPr>
-              <a:t>26/02/2012</a:t>
+              <a:t>04/04/2012</a:t>
             </a:fld>
             <a:endParaRPr lang="pt-BR"/>
           </a:p>
@@ -1745,7 +1745,7 @@
               <a:pPr>
                 <a:defRPr/>
               </a:pPr>
-              <a:t>26/02/2012</a:t>
+              <a:t>04/04/2012</a:t>
             </a:fld>
             <a:endParaRPr lang="pt-BR"/>
           </a:p>
@@ -1937,7 +1937,7 @@
               <a:pPr>
                 <a:defRPr/>
               </a:pPr>
-              <a:t>26/02/2012</a:t>
+              <a:t>04/04/2012</a:t>
             </a:fld>
             <a:endParaRPr lang="pt-BR"/>
           </a:p>
@@ -2139,7 +2139,7 @@
               <a:pPr>
                 <a:defRPr/>
               </a:pPr>
-              <a:t>26/02/2012</a:t>
+              <a:t>04/04/2012</a:t>
             </a:fld>
             <a:endParaRPr lang="pt-BR"/>
           </a:p>
@@ -2335,7 +2335,7 @@
               <a:pPr>
                 <a:defRPr/>
               </a:pPr>
-              <a:t>26/02/2012</a:t>
+              <a:t>04/04/2012</a:t>
             </a:fld>
             <a:endParaRPr lang="pt-BR"/>
           </a:p>
@@ -2841,7 +2841,7 @@
               <a:pPr>
                 <a:defRPr/>
               </a:pPr>
-              <a:t>26/02/2012</a:t>
+              <a:t>04/04/2012</a:t>
             </a:fld>
             <a:endParaRPr lang="pt-BR"/>
           </a:p>
@@ -3132,7 +3132,7 @@
               <a:pPr>
                 <a:defRPr/>
               </a:pPr>
-              <a:t>26/02/2012</a:t>
+              <a:t>04/04/2012</a:t>
             </a:fld>
             <a:endParaRPr lang="pt-BR"/>
           </a:p>
@@ -3533,7 +3533,7 @@
               <a:pPr>
                 <a:defRPr/>
               </a:pPr>
-              <a:t>26/02/2012</a:t>
+              <a:t>04/04/2012</a:t>
             </a:fld>
             <a:endParaRPr lang="pt-BR"/>
           </a:p>
@@ -3682,7 +3682,7 @@
               <a:pPr>
                 <a:defRPr/>
               </a:pPr>
-              <a:t>26/02/2012</a:t>
+              <a:t>04/04/2012</a:t>
             </a:fld>
             <a:endParaRPr lang="pt-BR"/>
           </a:p>
@@ -3799,7 +3799,7 @@
               <a:pPr>
                 <a:defRPr/>
               </a:pPr>
-              <a:t>26/02/2012</a:t>
+              <a:t>04/04/2012</a:t>
             </a:fld>
             <a:endParaRPr lang="pt-BR"/>
           </a:p>
@@ -4075,7 +4075,7 @@
               <a:pPr>
                 <a:defRPr/>
               </a:pPr>
-              <a:t>26/02/2012</a:t>
+              <a:t>04/04/2012</a:t>
             </a:fld>
             <a:endParaRPr lang="pt-BR"/>
           </a:p>
@@ -4359,7 +4359,7 @@
               <a:pPr>
                 <a:defRPr/>
               </a:pPr>
-              <a:t>26/02/2012</a:t>
+              <a:t>04/04/2012</a:t>
             </a:fld>
             <a:endParaRPr lang="pt-BR"/>
           </a:p>
@@ -4837,7 +4837,7 @@
               <a:pPr>
                 <a:defRPr/>
               </a:pPr>
-              <a:t>26/02/2012</a:t>
+              <a:t>04/04/2012</a:t>
             </a:fld>
             <a:endParaRPr lang="pt-BR"/>
           </a:p>
@@ -5547,7 +5547,6 @@
               <a:rPr lang="pt-BR" sz="2800" dirty="0" smtClean="0"/>
               <a:t> é uma facilidade da linguagem relacionada à herança que surgiu a partir da versão 5.0</a:t>
             </a:r>
-            <a:endParaRPr lang="pt-BR" sz="2800" dirty="0" smtClean="0"/>
           </a:p>
           <a:p>
             <a:pPr eaLnBrk="1" hangingPunct="1">
@@ -5581,7 +5580,6 @@
               <a:rPr lang="pt-BR" sz="2400" dirty="0" smtClean="0"/>
               <a:t>Quando implementar um método  que possua valor de retorno presente em uma interface;</a:t>
             </a:r>
-            <a:endParaRPr lang="pt-BR" sz="2400" dirty="0" smtClean="0"/>
           </a:p>
         </p:txBody>
       </p:sp>
@@ -5703,17 +5701,6 @@
                         </a:rPr>
                         <a:t>Cliente</a:t>
                       </a:r>
-                      <a:endParaRPr kumimoji="0" lang="pt-BR" sz="2000" b="0" i="0" u="none" strike="noStrike" cap="none" normalizeH="0" baseline="0" dirty="0" smtClean="0">
-                        <a:ln>
-                          <a:noFill/>
-                        </a:ln>
-                        <a:solidFill>
-                          <a:schemeClr val="tx1"/>
-                        </a:solidFill>
-                        <a:effectLst/>
-                        <a:latin typeface="Arial" charset="0"/>
-                        <a:ea typeface="SimSun" charset="-122"/>
-                      </a:endParaRPr>
                     </a:p>
                   </a:txBody>
                   <a:tcPr horzOverflow="overflow">
@@ -5802,21 +5789,6 @@
                         </a:rPr>
                         <a:t>nome</a:t>
                       </a:r>
-                      <a:r>
-                        <a:rPr kumimoji="0" lang="pt-BR" sz="2000" b="0" i="0" u="none" strike="noStrike" cap="none" normalizeH="0" baseline="0" dirty="0" smtClean="0">
-                          <a:ln>
-                            <a:noFill/>
-                          </a:ln>
-                          <a:solidFill>
-                            <a:schemeClr val="tx1"/>
-                          </a:solidFill>
-                          <a:effectLst/>
-                          <a:latin typeface="Arial" charset="0"/>
-                          <a:ea typeface="SimSun" charset="-122"/>
-                          <a:cs typeface="Arial" charset="0"/>
-                        </a:rPr>
-                        <a:t/>
-                      </a:r>
                       <a:br>
                         <a:rPr kumimoji="0" lang="pt-BR" sz="2000" b="0" i="0" u="none" strike="noStrike" cap="none" normalizeH="0" baseline="0" dirty="0" smtClean="0">
                           <a:ln>
@@ -5890,18 +5862,6 @@
                         </a:rPr>
                         <a:t>telefone</a:t>
                       </a:r>
-                      <a:endParaRPr kumimoji="0" lang="pt-BR" sz="2000" b="0" i="0" u="none" strike="noStrike" cap="none" normalizeH="0" baseline="0" dirty="0" smtClean="0">
-                        <a:ln>
-                          <a:noFill/>
-                        </a:ln>
-                        <a:solidFill>
-                          <a:schemeClr val="tx1"/>
-                        </a:solidFill>
-                        <a:effectLst/>
-                        <a:latin typeface="Arial" charset="0"/>
-                        <a:ea typeface="SimSun" charset="-122"/>
-                        <a:cs typeface="Arial" charset="0"/>
-                      </a:endParaRPr>
                     </a:p>
                   </a:txBody>
                   <a:tcPr horzOverflow="overflow">
@@ -6352,17 +6312,6 @@
                         </a:rPr>
                         <a:t>...</a:t>
                       </a:r>
-                      <a:endParaRPr kumimoji="0" lang="pt-BR" sz="2000" b="0" i="0" u="none" strike="noStrike" cap="none" normalizeH="0" baseline="0" dirty="0" smtClean="0">
-                        <a:ln>
-                          <a:noFill/>
-                        </a:ln>
-                        <a:solidFill>
-                          <a:schemeClr val="tx1"/>
-                        </a:solidFill>
-                        <a:effectLst/>
-                        <a:latin typeface="Arial" charset="0"/>
-                        <a:ea typeface="SimSun" charset="-122"/>
-                      </a:endParaRPr>
                     </a:p>
                   </a:txBody>
                   <a:tcPr horzOverflow="overflow">
@@ -6706,16 +6655,6 @@
                         </a:rPr>
                         <a:t>...</a:t>
                       </a:r>
-                      <a:endParaRPr kumimoji="0" lang="pt-BR" sz="2000" b="0" i="0" u="none" strike="noStrike" cap="none" normalizeH="0" baseline="0" dirty="0" smtClean="0">
-                        <a:ln>
-                          <a:noFill/>
-                        </a:ln>
-                        <a:solidFill>
-                          <a:schemeClr val="tx1"/>
-                        </a:solidFill>
-                        <a:effectLst/>
-                        <a:latin typeface="Arial" charset="0"/>
-                      </a:endParaRPr>
                     </a:p>
                   </a:txBody>
                   <a:tcPr horzOverflow="overflow">
@@ -7029,7 +6968,6 @@
               <a:rPr lang="pt-BR" dirty="0" smtClean="0"/>
               <a:t> sem covariância</a:t>
             </a:r>
-            <a:endParaRPr lang="pt-BR" dirty="0" smtClean="0"/>
           </a:p>
         </p:txBody>
       </p:sp>
@@ -9396,7 +9334,6 @@
               <a:rPr lang="pt-BR" dirty="0" smtClean="0"/>
               <a:t> (exemplo)</a:t>
             </a:r>
-            <a:endParaRPr lang="pt-BR" dirty="0" smtClean="0"/>
           </a:p>
         </p:txBody>
       </p:sp>
@@ -9425,7 +9362,6 @@
               <a:rPr lang="pt-BR" dirty="0" smtClean="0"/>
               <a:t>Sem covariância:</a:t>
             </a:r>
-            <a:endParaRPr lang="pt-BR" dirty="0" smtClean="0"/>
           </a:p>
           <a:p>
             <a:pPr eaLnBrk="1" hangingPunct="1"/>
@@ -9435,38 +9371,6 @@
             <a:pPr marL="449263" indent="0" eaLnBrk="1" hangingPunct="1">
               <a:buNone/>
             </a:pPr>
-            <a:r>
-              <a:rPr lang="pt-BR" sz="2000" dirty="0" err="1" smtClean="0"/>
-              <a:t>ContaEmpres</a:t>
-            </a:r>
-            <a:r>
-              <a:rPr lang="pt-BR" sz="2000" dirty="0" err="1" smtClean="0"/>
-              <a:t>a</a:t>
-            </a:r>
-            <a:r>
-              <a:rPr lang="pt-BR" sz="2000" dirty="0" smtClean="0">
-                <a:solidFill>
-                  <a:srgbClr val="FFC000"/>
-                </a:solidFill>
-              </a:rPr>
-              <a:t> conta = </a:t>
-            </a:r>
-            <a:r>
-              <a:rPr lang="pt-BR" sz="2000" dirty="0" err="1" smtClean="0">
-                <a:solidFill>
-                  <a:srgbClr val="FFC000"/>
-                </a:solidFill>
-              </a:rPr>
-              <a:t>new</a:t>
-            </a:r>
-            <a:r>
-              <a:rPr lang="pt-BR" sz="2000" dirty="0" smtClean="0">
-                <a:solidFill>
-                  <a:srgbClr val="FFC000"/>
-                </a:solidFill>
-              </a:rPr>
-              <a:t> </a:t>
-            </a:r>
             <a:r>
               <a:rPr lang="pt-BR" sz="2000" dirty="0" err="1" smtClean="0">
                 <a:solidFill>
@@ -9476,20 +9380,56 @@
               <a:t>ContaEmpresa</a:t>
             </a:r>
             <a:r>
+              <a:rPr lang="pt-BR" sz="2000" dirty="0" smtClean="0"/>
+              <a:t> conta = </a:t>
+            </a:r>
+            <a:r>
+              <a:rPr lang="pt-BR" sz="2000" dirty="0" err="1" smtClean="0"/>
+              <a:t>new</a:t>
+            </a:r>
+            <a:r>
+              <a:rPr lang="pt-BR" sz="2000" dirty="0" smtClean="0"/>
+              <a:t> </a:t>
+            </a:r>
+            <a:r>
+              <a:rPr lang="pt-BR" sz="2000" dirty="0" err="1" smtClean="0"/>
+              <a:t>ContaEmpresa</a:t>
+            </a:r>
+            <a:r>
+              <a:rPr lang="pt-BR" sz="2000" dirty="0" smtClean="0"/>
+              <a:t>(.......);</a:t>
+            </a:r>
+          </a:p>
+          <a:p>
+            <a:pPr marL="449263" indent="0" eaLnBrk="1" hangingPunct="1">
+              <a:buNone/>
+            </a:pPr>
+            <a:r>
+              <a:rPr lang="pt-BR" sz="2000" dirty="0" err="1" smtClean="0">
+                <a:solidFill>
+                  <a:srgbClr val="FFC000"/>
+                </a:solidFill>
+              </a:rPr>
+              <a:t>PessoaJuridica</a:t>
+            </a:r>
+            <a:r>
+              <a:rPr lang="pt-BR" sz="2000" dirty="0" smtClean="0"/>
+              <a:t> pessoa = </a:t>
+            </a:r>
+            <a:r>
               <a:rPr lang="pt-BR" sz="2000" dirty="0" smtClean="0">
                 <a:solidFill>
                   <a:srgbClr val="FFC000"/>
                 </a:solidFill>
               </a:rPr>
-              <a:t>(.......);</a:t>
-            </a:r>
-          </a:p>
-          <a:p>
-            <a:pPr marL="449263" indent="0" eaLnBrk="1" hangingPunct="1">
-              <a:buNone/>
-            </a:pPr>
-            <a:r>
-              <a:rPr lang="pt-BR" sz="2000" dirty="0" err="1" smtClean="0"/>
+              <a:t>(</a:t>
+            </a:r>
+            <a:r>
+              <a:rPr lang="pt-BR" sz="2000" dirty="0" err="1" smtClean="0">
+                <a:solidFill>
+                  <a:srgbClr val="FFC000"/>
+                </a:solidFill>
+              </a:rPr>
               <a:t>PessoaJuridica</a:t>
             </a:r>
             <a:r>
@@ -9498,19 +9438,19 @@
                   <a:srgbClr val="FFC000"/>
                 </a:solidFill>
               </a:rPr>
-              <a:t> pessoa = </a:t>
+              <a:t>) </a:t>
             </a:r>
             <a:r>
               <a:rPr lang="pt-BR" sz="2000" dirty="0" smtClean="0"/>
-              <a:t>(</a:t>
-            </a:r>
-            <a:r>
-              <a:rPr lang="pt-BR" sz="2000" dirty="0" err="1" smtClean="0"/>
-              <a:t>PessoaJuridica</a:t>
-            </a:r>
-            <a:r>
-              <a:rPr lang="pt-BR" sz="2000" dirty="0" smtClean="0"/>
-              <a:t>)</a:t>
+              <a:t>conta.</a:t>
+            </a:r>
+            <a:r>
+              <a:rPr lang="pt-BR" sz="2000" dirty="0" err="1" smtClean="0">
+                <a:solidFill>
+                  <a:srgbClr val="FFC000"/>
+                </a:solidFill>
+              </a:rPr>
+              <a:t>getCliente</a:t>
             </a:r>
             <a:r>
               <a:rPr lang="pt-BR" sz="2000" dirty="0" smtClean="0">
@@ -9518,39 +9458,18 @@
                   <a:srgbClr val="FFC000"/>
                 </a:solidFill>
               </a:rPr>
-              <a:t> conta.</a:t>
-            </a:r>
-            <a:r>
-              <a:rPr lang="pt-BR" sz="2000" dirty="0" err="1" smtClean="0"/>
-              <a:t>getCliente</a:t>
+              <a:t>()</a:t>
             </a:r>
             <a:r>
               <a:rPr lang="pt-BR" sz="2000" dirty="0" smtClean="0"/>
-              <a:t>()</a:t>
-            </a:r>
-            <a:r>
-              <a:rPr lang="pt-BR" sz="2000" dirty="0" smtClean="0">
-                <a:solidFill>
-                  <a:srgbClr val="FFC000"/>
-                </a:solidFill>
-              </a:rPr>
               <a:t>;</a:t>
             </a:r>
-            <a:endParaRPr lang="pt-BR" sz="2000" dirty="0" smtClean="0">
-              <a:solidFill>
-                <a:srgbClr val="FFC000"/>
-              </a:solidFill>
-            </a:endParaRPr>
           </a:p>
           <a:p>
             <a:pPr marL="0" indent="0" eaLnBrk="1" hangingPunct="1">
               <a:buNone/>
             </a:pPr>
-            <a:endParaRPr lang="pt-BR" sz="2400" dirty="0" smtClean="0">
-              <a:solidFill>
-                <a:srgbClr val="FFC000"/>
-              </a:solidFill>
-            </a:endParaRPr>
+            <a:endParaRPr lang="pt-BR" sz="2400" dirty="0" smtClean="0"/>
           </a:p>
           <a:p>
             <a:pPr eaLnBrk="1" hangingPunct="1"/>
@@ -9558,7 +9477,6 @@
               <a:rPr lang="pt-BR" dirty="0" smtClean="0"/>
               <a:t>Com covariância:</a:t>
             </a:r>
-            <a:endParaRPr lang="pt-BR" dirty="0" smtClean="0"/>
           </a:p>
           <a:p>
             <a:pPr eaLnBrk="1" hangingPunct="1"/>
@@ -9568,42 +9486,6 @@
             <a:pPr marL="449263" indent="0" eaLnBrk="1" hangingPunct="1">
               <a:buNone/>
             </a:pPr>
-            <a:r>
-              <a:rPr lang="pt-BR" sz="2000" dirty="0" err="1" smtClean="0"/>
-              <a:t>ContaEmpresa</a:t>
-            </a:r>
-            <a:r>
-              <a:rPr lang="pt-BR" sz="2000" dirty="0" smtClean="0">
-                <a:solidFill>
-                  <a:srgbClr val="FFC000"/>
-                </a:solidFill>
-              </a:rPr>
-              <a:t> </a:t>
-            </a:r>
-            <a:r>
-              <a:rPr lang="pt-BR" sz="2000" dirty="0" smtClean="0">
-                <a:solidFill>
-                  <a:srgbClr val="FFC000"/>
-                </a:solidFill>
-              </a:rPr>
-              <a:t>conta = </a:t>
-            </a:r>
-            <a:r>
-              <a:rPr lang="pt-BR" sz="2000" dirty="0" err="1" smtClean="0">
-                <a:solidFill>
-                  <a:srgbClr val="FFC000"/>
-                </a:solidFill>
-              </a:rPr>
-              <a:t>new</a:t>
-            </a:r>
-            <a:r>
-              <a:rPr lang="pt-BR" sz="2000" dirty="0" smtClean="0">
-                <a:solidFill>
-                  <a:srgbClr val="FFC000"/>
-                </a:solidFill>
-              </a:rPr>
-              <a:t> </a:t>
-            </a:r>
             <a:r>
               <a:rPr lang="pt-BR" sz="2000" dirty="0" err="1" smtClean="0">
                 <a:solidFill>
@@ -9613,52 +9495,60 @@
               <a:t>ContaEmpresa</a:t>
             </a:r>
             <a:r>
+              <a:rPr lang="pt-BR" sz="2000" dirty="0" smtClean="0"/>
+              <a:t> conta = </a:t>
+            </a:r>
+            <a:r>
+              <a:rPr lang="pt-BR" sz="2000" dirty="0" err="1" smtClean="0"/>
+              <a:t>new</a:t>
+            </a:r>
+            <a:r>
+              <a:rPr lang="pt-BR" sz="2000" dirty="0" smtClean="0"/>
+              <a:t> </a:t>
+            </a:r>
+            <a:r>
+              <a:rPr lang="pt-BR" sz="2000" dirty="0" err="1" smtClean="0"/>
+              <a:t>ContaEmpresa</a:t>
+            </a:r>
+            <a:r>
+              <a:rPr lang="pt-BR" sz="2000" dirty="0" smtClean="0"/>
+              <a:t>(.......);</a:t>
+            </a:r>
+          </a:p>
+          <a:p>
+            <a:pPr marL="449263" indent="0" eaLnBrk="1" hangingPunct="1">
+              <a:buNone/>
+            </a:pPr>
+            <a:r>
+              <a:rPr lang="pt-BR" sz="2000" dirty="0" err="1" smtClean="0">
+                <a:solidFill>
+                  <a:srgbClr val="FFC000"/>
+                </a:solidFill>
+              </a:rPr>
+              <a:t>PessoaJuridica</a:t>
+            </a:r>
+            <a:r>
+              <a:rPr lang="pt-BR" sz="2000" dirty="0" smtClean="0"/>
+              <a:t> pessoa = conta.</a:t>
+            </a:r>
+            <a:r>
+              <a:rPr lang="pt-BR" sz="2000" dirty="0" err="1" smtClean="0">
+                <a:solidFill>
+                  <a:srgbClr val="FFC000"/>
+                </a:solidFill>
+              </a:rPr>
+              <a:t>getCliente</a:t>
+            </a:r>
+            <a:r>
               <a:rPr lang="pt-BR" sz="2000" dirty="0" smtClean="0">
                 <a:solidFill>
                   <a:srgbClr val="FFC000"/>
                 </a:solidFill>
               </a:rPr>
-              <a:t>(.......);</a:t>
-            </a:r>
-          </a:p>
-          <a:p>
-            <a:pPr marL="449263" indent="0" eaLnBrk="1" hangingPunct="1">
-              <a:buNone/>
-            </a:pPr>
-            <a:r>
-              <a:rPr lang="pt-BR" sz="2000" dirty="0" err="1" smtClean="0"/>
-              <a:t>PessoaJuridica</a:t>
-            </a:r>
-            <a:r>
-              <a:rPr lang="pt-BR" sz="2000" dirty="0" smtClean="0">
-                <a:solidFill>
-                  <a:srgbClr val="FFC000"/>
-                </a:solidFill>
-              </a:rPr>
-              <a:t> pessoa = </a:t>
-            </a:r>
-            <a:r>
-              <a:rPr lang="pt-BR" sz="2000" dirty="0" smtClean="0">
-                <a:solidFill>
-                  <a:srgbClr val="FFC000"/>
-                </a:solidFill>
-              </a:rPr>
-              <a:t>conta.</a:t>
-            </a:r>
-            <a:r>
-              <a:rPr lang="pt-BR" sz="2000" dirty="0" err="1" smtClean="0"/>
-              <a:t>getCliente</a:t>
+              <a:t>()</a:t>
             </a:r>
             <a:r>
               <a:rPr lang="pt-BR" sz="2000" dirty="0" smtClean="0"/>
-              <a:t>()</a:t>
-            </a:r>
-            <a:r>
-              <a:rPr lang="pt-BR" sz="2000" dirty="0" smtClean="0">
-                <a:solidFill>
-                  <a:srgbClr val="FFC000"/>
-                </a:solidFill>
-              </a:rPr>
               <a:t>;</a:t>
             </a:r>
           </a:p>

--- a/2-Java-Programmer-Modulo-II/06.Capitulo01.pptx
+++ b/2-Java-Programmer-Modulo-II/06.Capitulo01.pptx
@@ -255,7 +255,7 @@
               <a:pPr>
                 <a:defRPr/>
               </a:pPr>
-              <a:t>04/04/2012</a:t>
+              <a:t>16/04/2012</a:t>
             </a:fld>
             <a:endParaRPr lang="pt-BR"/>
           </a:p>
@@ -1745,7 +1745,7 @@
               <a:pPr>
                 <a:defRPr/>
               </a:pPr>
-              <a:t>04/04/2012</a:t>
+              <a:t>16/04/2012</a:t>
             </a:fld>
             <a:endParaRPr lang="pt-BR"/>
           </a:p>
@@ -1937,7 +1937,7 @@
               <a:pPr>
                 <a:defRPr/>
               </a:pPr>
-              <a:t>04/04/2012</a:t>
+              <a:t>16/04/2012</a:t>
             </a:fld>
             <a:endParaRPr lang="pt-BR"/>
           </a:p>
@@ -2139,7 +2139,7 @@
               <a:pPr>
                 <a:defRPr/>
               </a:pPr>
-              <a:t>04/04/2012</a:t>
+              <a:t>16/04/2012</a:t>
             </a:fld>
             <a:endParaRPr lang="pt-BR"/>
           </a:p>
@@ -2335,7 +2335,7 @@
               <a:pPr>
                 <a:defRPr/>
               </a:pPr>
-              <a:t>04/04/2012</a:t>
+              <a:t>16/04/2012</a:t>
             </a:fld>
             <a:endParaRPr lang="pt-BR"/>
           </a:p>
@@ -2841,7 +2841,7 @@
               <a:pPr>
                 <a:defRPr/>
               </a:pPr>
-              <a:t>04/04/2012</a:t>
+              <a:t>16/04/2012</a:t>
             </a:fld>
             <a:endParaRPr lang="pt-BR"/>
           </a:p>
@@ -3132,7 +3132,7 @@
               <a:pPr>
                 <a:defRPr/>
               </a:pPr>
-              <a:t>04/04/2012</a:t>
+              <a:t>16/04/2012</a:t>
             </a:fld>
             <a:endParaRPr lang="pt-BR"/>
           </a:p>
@@ -3533,7 +3533,7 @@
               <a:pPr>
                 <a:defRPr/>
               </a:pPr>
-              <a:t>04/04/2012</a:t>
+              <a:t>16/04/2012</a:t>
             </a:fld>
             <a:endParaRPr lang="pt-BR"/>
           </a:p>
@@ -3682,7 +3682,7 @@
               <a:pPr>
                 <a:defRPr/>
               </a:pPr>
-              <a:t>04/04/2012</a:t>
+              <a:t>16/04/2012</a:t>
             </a:fld>
             <a:endParaRPr lang="pt-BR"/>
           </a:p>
@@ -3799,7 +3799,7 @@
               <a:pPr>
                 <a:defRPr/>
               </a:pPr>
-              <a:t>04/04/2012</a:t>
+              <a:t>16/04/2012</a:t>
             </a:fld>
             <a:endParaRPr lang="pt-BR"/>
           </a:p>
@@ -4075,7 +4075,7 @@
               <a:pPr>
                 <a:defRPr/>
               </a:pPr>
-              <a:t>04/04/2012</a:t>
+              <a:t>16/04/2012</a:t>
             </a:fld>
             <a:endParaRPr lang="pt-BR"/>
           </a:p>
@@ -4359,7 +4359,7 @@
               <a:pPr>
                 <a:defRPr/>
               </a:pPr>
-              <a:t>04/04/2012</a:t>
+              <a:t>16/04/2012</a:t>
             </a:fld>
             <a:endParaRPr lang="pt-BR"/>
           </a:p>
@@ -4837,7 +4837,7 @@
               <a:pPr>
                 <a:defRPr/>
               </a:pPr>
-              <a:t>04/04/2012</a:t>
+              <a:t>16/04/2012</a:t>
             </a:fld>
             <a:endParaRPr lang="pt-BR"/>
           </a:p>
@@ -5704,7 +5704,7 @@
                     </a:p>
                   </a:txBody>
                   <a:tcPr horzOverflow="overflow">
-                    <a:lnL w="12700" cap="flat" cmpd="sng" algn="ctr">
+                    <a:lnL w="28575" cap="flat" cmpd="sng" algn="ctr">
                       <a:solidFill>
                         <a:schemeClr val="tx1"/>
                       </a:solidFill>
@@ -5713,7 +5713,7 @@
                       <a:headEnd type="none" w="med" len="med"/>
                       <a:tailEnd type="none" w="med" len="med"/>
                     </a:lnL>
-                    <a:lnR w="12700" cap="flat" cmpd="sng" algn="ctr">
+                    <a:lnR w="28575" cap="flat" cmpd="sng" algn="ctr">
                       <a:solidFill>
                         <a:schemeClr val="tx1"/>
                       </a:solidFill>
@@ -5722,7 +5722,7 @@
                       <a:headEnd type="none" w="med" len="med"/>
                       <a:tailEnd type="none" w="med" len="med"/>
                     </a:lnR>
-                    <a:lnT w="12700" cap="flat" cmpd="sng" algn="ctr">
+                    <a:lnT w="28575" cap="flat" cmpd="sng" algn="ctr">
                       <a:solidFill>
                         <a:schemeClr val="tx1"/>
                       </a:solidFill>
@@ -5731,7 +5731,7 @@
                       <a:headEnd type="none" w="med" len="med"/>
                       <a:tailEnd type="none" w="med" len="med"/>
                     </a:lnT>
-                    <a:lnB w="12700" cap="flat" cmpd="sng" algn="ctr">
+                    <a:lnB w="28575" cap="flat" cmpd="sng" algn="ctr">
                       <a:solidFill>
                         <a:schemeClr val="tx1"/>
                       </a:solidFill>
@@ -5865,7 +5865,7 @@
                     </a:p>
                   </a:txBody>
                   <a:tcPr horzOverflow="overflow">
-                    <a:lnL w="12700" cap="flat" cmpd="sng" algn="ctr">
+                    <a:lnL w="28575" cap="flat" cmpd="sng" algn="ctr">
                       <a:solidFill>
                         <a:schemeClr val="tx1"/>
                       </a:solidFill>
@@ -5874,7 +5874,7 @@
                       <a:headEnd type="none" w="med" len="med"/>
                       <a:tailEnd type="none" w="med" len="med"/>
                     </a:lnL>
-                    <a:lnR w="12700" cap="flat" cmpd="sng" algn="ctr">
+                    <a:lnR w="28575" cap="flat" cmpd="sng" algn="ctr">
                       <a:solidFill>
                         <a:schemeClr val="tx1"/>
                       </a:solidFill>
@@ -5883,7 +5883,7 @@
                       <a:headEnd type="none" w="med" len="med"/>
                       <a:tailEnd type="none" w="med" len="med"/>
                     </a:lnR>
-                    <a:lnT w="12700" cap="flat" cmpd="sng" algn="ctr">
+                    <a:lnT w="28575" cap="flat" cmpd="sng" algn="ctr">
                       <a:solidFill>
                         <a:schemeClr val="tx1"/>
                       </a:solidFill>
@@ -5892,7 +5892,7 @@
                       <a:headEnd type="none" w="med" len="med"/>
                       <a:tailEnd type="none" w="med" len="med"/>
                     </a:lnT>
-                    <a:lnB w="12700" cap="flat" cmpd="sng" algn="ctr">
+                    <a:lnB w="28575" cap="flat" cmpd="sng" algn="ctr">
                       <a:solidFill>
                         <a:schemeClr val="tx1"/>
                       </a:solidFill>
@@ -5964,7 +5964,7 @@
                     </a:p>
                   </a:txBody>
                   <a:tcPr horzOverflow="overflow">
-                    <a:lnL w="12700" cap="flat" cmpd="sng" algn="ctr">
+                    <a:lnL w="28575" cap="flat" cmpd="sng" algn="ctr">
                       <a:solidFill>
                         <a:schemeClr val="tx1"/>
                       </a:solidFill>
@@ -5973,7 +5973,7 @@
                       <a:headEnd type="none" w="med" len="med"/>
                       <a:tailEnd type="none" w="med" len="med"/>
                     </a:lnL>
-                    <a:lnR w="12700" cap="flat" cmpd="sng" algn="ctr">
+                    <a:lnR w="28575" cap="flat" cmpd="sng" algn="ctr">
                       <a:solidFill>
                         <a:schemeClr val="tx1"/>
                       </a:solidFill>
@@ -5982,7 +5982,7 @@
                       <a:headEnd type="none" w="med" len="med"/>
                       <a:tailEnd type="none" w="med" len="med"/>
                     </a:lnR>
-                    <a:lnT w="12700" cap="flat" cmpd="sng" algn="ctr">
+                    <a:lnT w="28575" cap="flat" cmpd="sng" algn="ctr">
                       <a:solidFill>
                         <a:schemeClr val="tx1"/>
                       </a:solidFill>
@@ -5991,7 +5991,7 @@
                       <a:headEnd type="none" w="med" len="med"/>
                       <a:tailEnd type="none" w="med" len="med"/>
                     </a:lnT>
-                    <a:lnB w="12700" cap="flat" cmpd="sng" algn="ctr">
+                    <a:lnB w="28575" cap="flat" cmpd="sng" algn="ctr">
                       <a:solidFill>
                         <a:schemeClr val="tx1"/>
                       </a:solidFill>
@@ -6085,7 +6085,7 @@
                     </a:p>
                   </a:txBody>
                   <a:tcPr horzOverflow="overflow">
-                    <a:lnL w="12700" cap="flat" cmpd="sng" algn="ctr">
+                    <a:lnL w="28575" cap="flat" cmpd="sng" algn="ctr">
                       <a:solidFill>
                         <a:schemeClr val="tx1"/>
                       </a:solidFill>
@@ -6094,7 +6094,7 @@
                       <a:headEnd type="none" w="med" len="med"/>
                       <a:tailEnd type="none" w="med" len="med"/>
                     </a:lnL>
-                    <a:lnR w="12700" cap="flat" cmpd="sng" algn="ctr">
+                    <a:lnR w="28575" cap="flat" cmpd="sng" algn="ctr">
                       <a:solidFill>
                         <a:schemeClr val="tx1"/>
                       </a:solidFill>
@@ -6103,7 +6103,7 @@
                       <a:headEnd type="none" w="med" len="med"/>
                       <a:tailEnd type="none" w="med" len="med"/>
                     </a:lnR>
-                    <a:lnT w="12700" cap="flat" cmpd="sng" algn="ctr">
+                    <a:lnT w="28575" cap="flat" cmpd="sng" algn="ctr">
                       <a:solidFill>
                         <a:schemeClr val="tx1"/>
                       </a:solidFill>
@@ -6112,7 +6112,7 @@
                       <a:headEnd type="none" w="med" len="med"/>
                       <a:tailEnd type="none" w="med" len="med"/>
                     </a:lnT>
-                    <a:lnB w="12700" cap="flat" cmpd="sng" algn="ctr">
+                    <a:lnB w="28575" cap="flat" cmpd="sng" algn="ctr">
                       <a:solidFill>
                         <a:schemeClr val="tx1"/>
                       </a:solidFill>
@@ -6228,7 +6228,7 @@
                     </a:p>
                   </a:txBody>
                   <a:tcPr horzOverflow="overflow">
-                    <a:lnL w="12700" cap="flat" cmpd="sng" algn="ctr">
+                    <a:lnL w="28575" cap="flat" cmpd="sng" algn="ctr">
                       <a:solidFill>
                         <a:schemeClr val="tx1"/>
                       </a:solidFill>
@@ -6237,7 +6237,7 @@
                       <a:headEnd type="none" w="med" len="med"/>
                       <a:tailEnd type="none" w="med" len="med"/>
                     </a:lnL>
-                    <a:lnR w="12700" cap="flat" cmpd="sng" algn="ctr">
+                    <a:lnR w="28575" cap="flat" cmpd="sng" algn="ctr">
                       <a:solidFill>
                         <a:schemeClr val="tx1"/>
                       </a:solidFill>
@@ -6246,7 +6246,7 @@
                       <a:headEnd type="none" w="med" len="med"/>
                       <a:tailEnd type="none" w="med" len="med"/>
                     </a:lnR>
-                    <a:lnT w="12700" cap="flat" cmpd="sng" algn="ctr">
+                    <a:lnT w="28575" cap="flat" cmpd="sng" algn="ctr">
                       <a:solidFill>
                         <a:schemeClr val="tx1"/>
                       </a:solidFill>
@@ -6255,7 +6255,7 @@
                       <a:headEnd type="none" w="med" len="med"/>
                       <a:tailEnd type="none" w="med" len="med"/>
                     </a:lnT>
-                    <a:lnB w="12700" cap="flat" cmpd="sng" algn="ctr">
+                    <a:lnB w="28575" cap="flat" cmpd="sng" algn="ctr">
                       <a:solidFill>
                         <a:schemeClr val="tx1"/>
                       </a:solidFill>
@@ -6315,7 +6315,7 @@
                     </a:p>
                   </a:txBody>
                   <a:tcPr horzOverflow="overflow">
-                    <a:lnL w="12700" cap="flat" cmpd="sng" algn="ctr">
+                    <a:lnL w="28575" cap="flat" cmpd="sng" algn="ctr">
                       <a:solidFill>
                         <a:schemeClr val="tx1"/>
                       </a:solidFill>
@@ -6324,7 +6324,7 @@
                       <a:headEnd type="none" w="med" len="med"/>
                       <a:tailEnd type="none" w="med" len="med"/>
                     </a:lnL>
-                    <a:lnR w="12700" cap="flat" cmpd="sng" algn="ctr">
+                    <a:lnR w="28575" cap="flat" cmpd="sng" algn="ctr">
                       <a:solidFill>
                         <a:schemeClr val="tx1"/>
                       </a:solidFill>
@@ -6333,7 +6333,7 @@
                       <a:headEnd type="none" w="med" len="med"/>
                       <a:tailEnd type="none" w="med" len="med"/>
                     </a:lnR>
-                    <a:lnT w="12700" cap="flat" cmpd="sng" algn="ctr">
+                    <a:lnT w="28575" cap="flat" cmpd="sng" algn="ctr">
                       <a:solidFill>
                         <a:schemeClr val="tx1"/>
                       </a:solidFill>
@@ -6342,7 +6342,7 @@
                       <a:headEnd type="none" w="med" len="med"/>
                       <a:tailEnd type="none" w="med" len="med"/>
                     </a:lnT>
-                    <a:lnB w="12700" cap="flat" cmpd="sng" algn="ctr">
+                    <a:lnB w="28575" cap="flat" cmpd="sng" algn="ctr">
                       <a:solidFill>
                         <a:schemeClr val="tx1"/>
                       </a:solidFill>
@@ -6434,7 +6434,7 @@
                     </a:p>
                   </a:txBody>
                   <a:tcPr horzOverflow="overflow">
-                    <a:lnL w="12700" cap="flat" cmpd="sng" algn="ctr">
+                    <a:lnL w="28575" cap="flat" cmpd="sng" algn="ctr">
                       <a:solidFill>
                         <a:schemeClr val="tx1"/>
                       </a:solidFill>
@@ -6443,7 +6443,7 @@
                       <a:headEnd type="none" w="med" len="med"/>
                       <a:tailEnd type="none" w="med" len="med"/>
                     </a:lnL>
-                    <a:lnR w="12700" cap="flat" cmpd="sng" algn="ctr">
+                    <a:lnR w="28575" cap="flat" cmpd="sng" algn="ctr">
                       <a:solidFill>
                         <a:schemeClr val="tx1"/>
                       </a:solidFill>
@@ -6452,7 +6452,7 @@
                       <a:headEnd type="none" w="med" len="med"/>
                       <a:tailEnd type="none" w="med" len="med"/>
                     </a:lnR>
-                    <a:lnT w="12700" cap="flat" cmpd="sng" algn="ctr">
+                    <a:lnT w="28575" cap="flat" cmpd="sng" algn="ctr">
                       <a:solidFill>
                         <a:schemeClr val="tx1"/>
                       </a:solidFill>
@@ -6461,7 +6461,7 @@
                       <a:headEnd type="none" w="med" len="med"/>
                       <a:tailEnd type="none" w="med" len="med"/>
                     </a:lnT>
-                    <a:lnB w="12700" cap="flat" cmpd="sng" algn="ctr">
+                    <a:lnB w="28575" cap="flat" cmpd="sng" algn="ctr">
                       <a:solidFill>
                         <a:schemeClr val="tx1"/>
                       </a:solidFill>
@@ -6572,7 +6572,7 @@
                     </a:p>
                   </a:txBody>
                   <a:tcPr horzOverflow="overflow">
-                    <a:lnL w="12700" cap="flat" cmpd="sng" algn="ctr">
+                    <a:lnL w="28575" cap="flat" cmpd="sng" algn="ctr">
                       <a:solidFill>
                         <a:schemeClr val="tx1"/>
                       </a:solidFill>
@@ -6581,7 +6581,7 @@
                       <a:headEnd type="none" w="med" len="med"/>
                       <a:tailEnd type="none" w="med" len="med"/>
                     </a:lnL>
-                    <a:lnR w="12700" cap="flat" cmpd="sng" algn="ctr">
+                    <a:lnR w="28575" cap="flat" cmpd="sng" algn="ctr">
                       <a:solidFill>
                         <a:schemeClr val="tx1"/>
                       </a:solidFill>
@@ -6590,7 +6590,7 @@
                       <a:headEnd type="none" w="med" len="med"/>
                       <a:tailEnd type="none" w="med" len="med"/>
                     </a:lnR>
-                    <a:lnT w="12700" cap="flat" cmpd="sng" algn="ctr">
+                    <a:lnT w="28575" cap="flat" cmpd="sng" algn="ctr">
                       <a:solidFill>
                         <a:schemeClr val="tx1"/>
                       </a:solidFill>
@@ -6599,7 +6599,7 @@
                       <a:headEnd type="none" w="med" len="med"/>
                       <a:tailEnd type="none" w="med" len="med"/>
                     </a:lnT>
-                    <a:lnB w="12700" cap="flat" cmpd="sng" algn="ctr">
+                    <a:lnB w="28575" cap="flat" cmpd="sng" algn="ctr">
                       <a:solidFill>
                         <a:schemeClr val="tx1"/>
                       </a:solidFill>
@@ -6658,7 +6658,7 @@
                     </a:p>
                   </a:txBody>
                   <a:tcPr horzOverflow="overflow">
-                    <a:lnL w="12700" cap="flat" cmpd="sng" algn="ctr">
+                    <a:lnL w="28575" cap="flat" cmpd="sng" algn="ctr">
                       <a:solidFill>
                         <a:schemeClr val="tx1"/>
                       </a:solidFill>
@@ -6667,7 +6667,7 @@
                       <a:headEnd type="none" w="med" len="med"/>
                       <a:tailEnd type="none" w="med" len="med"/>
                     </a:lnL>
-                    <a:lnR w="12700" cap="flat" cmpd="sng" algn="ctr">
+                    <a:lnR w="28575" cap="flat" cmpd="sng" algn="ctr">
                       <a:solidFill>
                         <a:schemeClr val="tx1"/>
                       </a:solidFill>
@@ -6676,7 +6676,7 @@
                       <a:headEnd type="none" w="med" len="med"/>
                       <a:tailEnd type="none" w="med" len="med"/>
                     </a:lnR>
-                    <a:lnT w="12700" cap="flat" cmpd="sng" algn="ctr">
+                    <a:lnT w="28575" cap="flat" cmpd="sng" algn="ctr">
                       <a:solidFill>
                         <a:schemeClr val="tx1"/>
                       </a:solidFill>
@@ -6685,7 +6685,7 @@
                       <a:headEnd type="none" w="med" len="med"/>
                       <a:tailEnd type="none" w="med" len="med"/>
                     </a:lnT>
-                    <a:lnB w="12700" cap="flat" cmpd="sng" algn="ctr">
+                    <a:lnB w="28575" cap="flat" cmpd="sng" algn="ctr">
                       <a:solidFill>
                         <a:schemeClr val="tx1"/>
                       </a:solidFill>
@@ -6718,10 +6718,10 @@
         </p:nvGrpSpPr>
         <p:grpSpPr bwMode="auto">
           <a:xfrm rot="3600000">
-            <a:off x="3271137" y="3201022"/>
-            <a:ext cx="188896" cy="1679263"/>
-            <a:chOff x="1134" y="4194"/>
-            <a:chExt cx="1440" cy="5580"/>
+            <a:off x="3258444" y="3229371"/>
+            <a:ext cx="188896" cy="1645706"/>
+            <a:chOff x="1162" y="4727"/>
+            <a:chExt cx="1440" cy="5047"/>
           </a:xfrm>
         </p:grpSpPr>
         <p:sp>
@@ -6734,8 +6734,8 @@
           </p:nvSpPr>
           <p:spPr bwMode="auto">
             <a:xfrm>
-              <a:off x="1134" y="4194"/>
-              <a:ext cx="1440" cy="1260"/>
+              <a:off x="1162" y="4727"/>
+              <a:ext cx="1440" cy="684"/>
             </a:xfrm>
             <a:prstGeom prst="triangle">
               <a:avLst>
@@ -6745,7 +6745,7 @@
             <a:solidFill>
               <a:srgbClr val="FFFFFF"/>
             </a:solidFill>
-            <a:ln w="12700">
+            <a:ln w="28575">
               <a:solidFill>
                 <a:schemeClr val="tx1"/>
               </a:solidFill>
@@ -6779,7 +6779,7 @@
               <a:avLst/>
             </a:prstGeom>
             <a:noFill/>
-            <a:ln w="12700">
+            <a:ln w="28575">
               <a:solidFill>
                 <a:schemeClr val="tx1"/>
               </a:solidFill>
@@ -6826,7 +6826,7 @@
       </p:sp>
       <p:grpSp>
         <p:nvGrpSpPr>
-          <p:cNvPr id="13" name="Group 30"/>
+          <p:cNvPr id="16" name="Group 30"/>
           <p:cNvGrpSpPr>
             <a:grpSpLocks/>
           </p:cNvGrpSpPr>
@@ -6834,15 +6834,15 @@
         </p:nvGrpSpPr>
         <p:grpSpPr bwMode="auto">
           <a:xfrm rot="18000000" flipH="1">
-            <a:off x="5719409" y="3201022"/>
-            <a:ext cx="188896" cy="1679263"/>
-            <a:chOff x="1134" y="4194"/>
-            <a:chExt cx="1440" cy="5580"/>
+            <a:off x="5741444" y="3243384"/>
+            <a:ext cx="188896" cy="1645706"/>
+            <a:chOff x="1162" y="4727"/>
+            <a:chExt cx="1440" cy="5047"/>
           </a:xfrm>
         </p:grpSpPr>
         <p:sp>
           <p:nvSpPr>
-            <p:cNvPr id="14" name="AutoShape 31"/>
+            <p:cNvPr id="17" name="AutoShape 31"/>
             <p:cNvSpPr>
               <a:spLocks noChangeArrowheads="1"/>
             </p:cNvSpPr>
@@ -6850,8 +6850,8 @@
           </p:nvSpPr>
           <p:spPr bwMode="auto">
             <a:xfrm>
-              <a:off x="1134" y="4194"/>
-              <a:ext cx="1440" cy="1260"/>
+              <a:off x="1162" y="4727"/>
+              <a:ext cx="1440" cy="684"/>
             </a:xfrm>
             <a:prstGeom prst="triangle">
               <a:avLst>
@@ -6861,7 +6861,7 @@
             <a:solidFill>
               <a:srgbClr val="FFFFFF"/>
             </a:solidFill>
-            <a:ln w="12700">
+            <a:ln w="28575">
               <a:solidFill>
                 <a:schemeClr val="tx1"/>
               </a:solidFill>
@@ -6880,7 +6880,7 @@
         </p:sp>
         <p:sp>
           <p:nvSpPr>
-            <p:cNvPr id="15" name="Line 32"/>
+            <p:cNvPr id="18" name="Line 32"/>
             <p:cNvSpPr>
               <a:spLocks noChangeShapeType="1"/>
             </p:cNvSpPr>
@@ -6895,7 +6895,7 @@
               <a:avLst/>
             </a:prstGeom>
             <a:noFill/>
-            <a:ln w="12700">
+            <a:ln w="28575">
               <a:solidFill>
                 <a:schemeClr val="tx1"/>
               </a:solidFill>
@@ -7031,7 +7031,7 @@
                     </a:p>
                   </a:txBody>
                   <a:tcPr horzOverflow="overflow">
-                    <a:lnL w="12700" cap="flat" cmpd="sng" algn="ctr">
+                    <a:lnL w="28575" cap="flat" cmpd="sng" algn="ctr">
                       <a:solidFill>
                         <a:schemeClr val="tx1"/>
                       </a:solidFill>
@@ -7040,7 +7040,7 @@
                       <a:headEnd type="none" w="med" len="med"/>
                       <a:tailEnd type="none" w="med" len="med"/>
                     </a:lnL>
-                    <a:lnR w="12700" cap="flat" cmpd="sng" algn="ctr">
+                    <a:lnR w="28575" cap="flat" cmpd="sng" algn="ctr">
                       <a:solidFill>
                         <a:schemeClr val="tx1"/>
                       </a:solidFill>
@@ -7049,7 +7049,7 @@
                       <a:headEnd type="none" w="med" len="med"/>
                       <a:tailEnd type="none" w="med" len="med"/>
                     </a:lnR>
-                    <a:lnT w="12700" cap="flat" cmpd="sng" algn="ctr">
+                    <a:lnT w="28575" cap="flat" cmpd="sng" algn="ctr">
                       <a:solidFill>
                         <a:schemeClr val="tx1"/>
                       </a:solidFill>
@@ -7058,7 +7058,7 @@
                       <a:headEnd type="none" w="med" len="med"/>
                       <a:tailEnd type="none" w="med" len="med"/>
                     </a:lnT>
-                    <a:lnB w="12700" cap="flat" cmpd="sng" algn="ctr">
+                    <a:lnB w="28575" cap="flat" cmpd="sng" algn="ctr">
                       <a:solidFill>
                         <a:schemeClr val="tx1"/>
                       </a:solidFill>
@@ -7148,7 +7148,7 @@
                     </a:p>
                   </a:txBody>
                   <a:tcPr horzOverflow="overflow">
-                    <a:lnL w="12700" cap="flat" cmpd="sng" algn="ctr">
+                    <a:lnL w="28575" cap="flat" cmpd="sng" algn="ctr">
                       <a:solidFill>
                         <a:schemeClr val="tx1"/>
                       </a:solidFill>
@@ -7157,7 +7157,7 @@
                       <a:headEnd type="none" w="med" len="med"/>
                       <a:tailEnd type="none" w="med" len="med"/>
                     </a:lnL>
-                    <a:lnR w="12700" cap="flat" cmpd="sng" algn="ctr">
+                    <a:lnR w="28575" cap="flat" cmpd="sng" algn="ctr">
                       <a:solidFill>
                         <a:schemeClr val="tx1"/>
                       </a:solidFill>
@@ -7166,7 +7166,7 @@
                       <a:headEnd type="none" w="med" len="med"/>
                       <a:tailEnd type="none" w="med" len="med"/>
                     </a:lnR>
-                    <a:lnT w="12700" cap="flat" cmpd="sng" algn="ctr">
+                    <a:lnT w="28575" cap="flat" cmpd="sng" algn="ctr">
                       <a:solidFill>
                         <a:schemeClr val="tx1"/>
                       </a:solidFill>
@@ -7175,7 +7175,7 @@
                       <a:headEnd type="none" w="med" len="med"/>
                       <a:tailEnd type="none" w="med" len="med"/>
                     </a:lnT>
-                    <a:lnB w="12700" cap="flat" cmpd="sng" algn="ctr">
+                    <a:lnB w="28575" cap="flat" cmpd="sng" algn="ctr">
                       <a:solidFill>
                         <a:schemeClr val="tx1"/>
                       </a:solidFill>
@@ -7320,7 +7320,7 @@
                     </a:p>
                   </a:txBody>
                   <a:tcPr horzOverflow="overflow">
-                    <a:lnL w="12700" cap="flat" cmpd="sng" algn="ctr">
+                    <a:lnL w="28575" cap="flat" cmpd="sng" algn="ctr">
                       <a:solidFill>
                         <a:schemeClr val="tx1"/>
                       </a:solidFill>
@@ -7329,7 +7329,7 @@
                       <a:headEnd type="none" w="med" len="med"/>
                       <a:tailEnd type="none" w="med" len="med"/>
                     </a:lnL>
-                    <a:lnR w="12700" cap="flat" cmpd="sng" algn="ctr">
+                    <a:lnR w="28575" cap="flat" cmpd="sng" algn="ctr">
                       <a:solidFill>
                         <a:schemeClr val="tx1"/>
                       </a:solidFill>
@@ -7338,7 +7338,7 @@
                       <a:headEnd type="none" w="med" len="med"/>
                       <a:tailEnd type="none" w="med" len="med"/>
                     </a:lnR>
-                    <a:lnT w="12700" cap="flat" cmpd="sng" algn="ctr">
+                    <a:lnT w="28575" cap="flat" cmpd="sng" algn="ctr">
                       <a:solidFill>
                         <a:schemeClr val="tx1"/>
                       </a:solidFill>
@@ -7347,7 +7347,7 @@
                       <a:headEnd type="none" w="med" len="med"/>
                       <a:tailEnd type="none" w="med" len="med"/>
                     </a:lnT>
-                    <a:lnB w="12700" cap="flat" cmpd="sng" algn="ctr">
+                    <a:lnB w="28575" cap="flat" cmpd="sng" algn="ctr">
                       <a:solidFill>
                         <a:schemeClr val="tx1"/>
                       </a:solidFill>
@@ -7441,7 +7441,7 @@
                     </a:p>
                   </a:txBody>
                   <a:tcPr horzOverflow="overflow">
-                    <a:lnL w="12700" cap="flat" cmpd="sng" algn="ctr">
+                    <a:lnL w="28575" cap="flat" cmpd="sng" algn="ctr">
                       <a:solidFill>
                         <a:schemeClr val="tx1"/>
                       </a:solidFill>
@@ -7450,7 +7450,7 @@
                       <a:headEnd type="none" w="med" len="med"/>
                       <a:tailEnd type="none" w="med" len="med"/>
                     </a:lnL>
-                    <a:lnR w="12700" cap="flat" cmpd="sng" algn="ctr">
+                    <a:lnR w="28575" cap="flat" cmpd="sng" algn="ctr">
                       <a:solidFill>
                         <a:schemeClr val="tx1"/>
                       </a:solidFill>
@@ -7459,7 +7459,7 @@
                       <a:headEnd type="none" w="med" len="med"/>
                       <a:tailEnd type="none" w="med" len="med"/>
                     </a:lnR>
-                    <a:lnT w="12700" cap="flat" cmpd="sng" algn="ctr">
+                    <a:lnT w="28575" cap="flat" cmpd="sng" algn="ctr">
                       <a:solidFill>
                         <a:schemeClr val="tx1"/>
                       </a:solidFill>
@@ -7468,7 +7468,7 @@
                       <a:headEnd type="none" w="med" len="med"/>
                       <a:tailEnd type="none" w="med" len="med"/>
                     </a:lnT>
-                    <a:lnB w="12700" cap="flat" cmpd="sng" algn="ctr">
+                    <a:lnB w="28575" cap="flat" cmpd="sng" algn="ctr">
                       <a:solidFill>
                         <a:schemeClr val="tx1"/>
                       </a:solidFill>
@@ -7584,7 +7584,7 @@
                     </a:p>
                   </a:txBody>
                   <a:tcPr horzOverflow="overflow">
-                    <a:lnL w="12700" cap="flat" cmpd="sng" algn="ctr">
+                    <a:lnL w="28575" cap="flat" cmpd="sng" algn="ctr">
                       <a:solidFill>
                         <a:schemeClr val="tx1"/>
                       </a:solidFill>
@@ -7593,7 +7593,7 @@
                       <a:headEnd type="none" w="med" len="med"/>
                       <a:tailEnd type="none" w="med" len="med"/>
                     </a:lnL>
-                    <a:lnR w="12700" cap="flat" cmpd="sng" algn="ctr">
+                    <a:lnR w="28575" cap="flat" cmpd="sng" algn="ctr">
                       <a:solidFill>
                         <a:schemeClr val="tx1"/>
                       </a:solidFill>
@@ -7602,7 +7602,7 @@
                       <a:headEnd type="none" w="med" len="med"/>
                       <a:tailEnd type="none" w="med" len="med"/>
                     </a:lnR>
-                    <a:lnT w="12700" cap="flat" cmpd="sng" algn="ctr">
+                    <a:lnT w="28575" cap="flat" cmpd="sng" algn="ctr">
                       <a:solidFill>
                         <a:schemeClr val="tx1"/>
                       </a:solidFill>
@@ -7611,7 +7611,7 @@
                       <a:headEnd type="none" w="med" len="med"/>
                       <a:tailEnd type="none" w="med" len="med"/>
                     </a:lnT>
-                    <a:lnB w="12700" cap="flat" cmpd="sng" algn="ctr">
+                    <a:lnB w="28575" cap="flat" cmpd="sng" algn="ctr">
                       <a:solidFill>
                         <a:schemeClr val="tx1"/>
                       </a:solidFill>
@@ -7705,7 +7705,7 @@
                     </a:p>
                   </a:txBody>
                   <a:tcPr horzOverflow="overflow">
-                    <a:lnL w="12700" cap="flat" cmpd="sng" algn="ctr">
+                    <a:lnL w="28575" cap="flat" cmpd="sng" algn="ctr">
                       <a:solidFill>
                         <a:schemeClr val="tx1"/>
                       </a:solidFill>
@@ -7714,7 +7714,7 @@
                       <a:headEnd type="none" w="med" len="med"/>
                       <a:tailEnd type="none" w="med" len="med"/>
                     </a:lnL>
-                    <a:lnR w="12700" cap="flat" cmpd="sng" algn="ctr">
+                    <a:lnR w="28575" cap="flat" cmpd="sng" algn="ctr">
                       <a:solidFill>
                         <a:schemeClr val="tx1"/>
                       </a:solidFill>
@@ -7723,7 +7723,7 @@
                       <a:headEnd type="none" w="med" len="med"/>
                       <a:tailEnd type="none" w="med" len="med"/>
                     </a:lnR>
-                    <a:lnT w="12700" cap="flat" cmpd="sng" algn="ctr">
+                    <a:lnT w="28575" cap="flat" cmpd="sng" algn="ctr">
                       <a:solidFill>
                         <a:schemeClr val="tx1"/>
                       </a:solidFill>
@@ -7732,7 +7732,7 @@
                       <a:headEnd type="none" w="med" len="med"/>
                       <a:tailEnd type="none" w="med" len="med"/>
                     </a:lnT>
-                    <a:lnB w="12700" cap="flat" cmpd="sng" algn="ctr">
+                    <a:lnB w="28575" cap="flat" cmpd="sng" algn="ctr">
                       <a:solidFill>
                         <a:schemeClr val="tx1"/>
                       </a:solidFill>
@@ -7848,7 +7848,7 @@
                     </a:p>
                   </a:txBody>
                   <a:tcPr horzOverflow="overflow">
-                    <a:lnL w="12700" cap="flat" cmpd="sng" algn="ctr">
+                    <a:lnL w="28575" cap="flat" cmpd="sng" algn="ctr">
                       <a:solidFill>
                         <a:schemeClr val="tx1"/>
                       </a:solidFill>
@@ -7857,7 +7857,7 @@
                       <a:headEnd type="none" w="med" len="med"/>
                       <a:tailEnd type="none" w="med" len="med"/>
                     </a:lnL>
-                    <a:lnR w="12700" cap="flat" cmpd="sng" algn="ctr">
+                    <a:lnR w="28575" cap="flat" cmpd="sng" algn="ctr">
                       <a:solidFill>
                         <a:schemeClr val="tx1"/>
                       </a:solidFill>
@@ -7866,7 +7866,7 @@
                       <a:headEnd type="none" w="med" len="med"/>
                       <a:tailEnd type="none" w="med" len="med"/>
                     </a:lnR>
-                    <a:lnT w="12700" cap="flat" cmpd="sng" algn="ctr">
+                    <a:lnT w="28575" cap="flat" cmpd="sng" algn="ctr">
                       <a:solidFill>
                         <a:schemeClr val="tx1"/>
                       </a:solidFill>
@@ -7875,7 +7875,7 @@
                       <a:headEnd type="none" w="med" len="med"/>
                       <a:tailEnd type="none" w="med" len="med"/>
                     </a:lnT>
-                    <a:lnB w="12700" cap="flat" cmpd="sng" algn="ctr">
+                    <a:lnB w="28575" cap="flat" cmpd="sng" algn="ctr">
                       <a:solidFill>
                         <a:schemeClr val="tx1"/>
                       </a:solidFill>
@@ -7935,7 +7935,7 @@
             <a:solidFill>
               <a:srgbClr val="FFFFFF"/>
             </a:solidFill>
-            <a:ln w="12700">
+            <a:ln w="28575">
               <a:solidFill>
                 <a:schemeClr val="tx1"/>
               </a:solidFill>
@@ -7969,7 +7969,7 @@
               <a:avLst/>
             </a:prstGeom>
             <a:noFill/>
-            <a:ln w="12700">
+            <a:ln w="28575">
               <a:solidFill>
                 <a:schemeClr val="tx1"/>
               </a:solidFill>
@@ -8024,7 +8024,7 @@
             <a:solidFill>
               <a:srgbClr val="FFFFFF"/>
             </a:solidFill>
-            <a:ln w="12700">
+            <a:ln w="28575">
               <a:solidFill>
                 <a:schemeClr val="tx1"/>
               </a:solidFill>
@@ -8058,7 +8058,7 @@
               <a:avLst/>
             </a:prstGeom>
             <a:noFill/>
-            <a:ln w="12700">
+            <a:ln w="28575">
               <a:solidFill>
                 <a:schemeClr val="tx1"/>
               </a:solidFill>
@@ -8199,7 +8199,7 @@
                     </a:p>
                   </a:txBody>
                   <a:tcPr horzOverflow="overflow">
-                    <a:lnL w="12700" cap="flat" cmpd="sng" algn="ctr">
+                    <a:lnL w="28575" cap="flat" cmpd="sng" algn="ctr">
                       <a:solidFill>
                         <a:schemeClr val="tx1"/>
                       </a:solidFill>
@@ -8208,7 +8208,7 @@
                       <a:headEnd type="none" w="med" len="med"/>
                       <a:tailEnd type="none" w="med" len="med"/>
                     </a:lnL>
-                    <a:lnR w="12700" cap="flat" cmpd="sng" algn="ctr">
+                    <a:lnR w="28575" cap="flat" cmpd="sng" algn="ctr">
                       <a:solidFill>
                         <a:schemeClr val="tx1"/>
                       </a:solidFill>
@@ -8217,7 +8217,7 @@
                       <a:headEnd type="none" w="med" len="med"/>
                       <a:tailEnd type="none" w="med" len="med"/>
                     </a:lnR>
-                    <a:lnT w="12700" cap="flat" cmpd="sng" algn="ctr">
+                    <a:lnT w="28575" cap="flat" cmpd="sng" algn="ctr">
                       <a:solidFill>
                         <a:schemeClr val="tx1"/>
                       </a:solidFill>
@@ -8226,7 +8226,7 @@
                       <a:headEnd type="none" w="med" len="med"/>
                       <a:tailEnd type="none" w="med" len="med"/>
                     </a:lnT>
-                    <a:lnB w="12700" cap="flat" cmpd="sng" algn="ctr">
+                    <a:lnB w="28575" cap="flat" cmpd="sng" algn="ctr">
                       <a:solidFill>
                         <a:schemeClr val="tx1"/>
                       </a:solidFill>
@@ -8316,7 +8316,7 @@
                     </a:p>
                   </a:txBody>
                   <a:tcPr horzOverflow="overflow">
-                    <a:lnL w="12700" cap="flat" cmpd="sng" algn="ctr">
+                    <a:lnL w="28575" cap="flat" cmpd="sng" algn="ctr">
                       <a:solidFill>
                         <a:schemeClr val="tx1"/>
                       </a:solidFill>
@@ -8325,7 +8325,7 @@
                       <a:headEnd type="none" w="med" len="med"/>
                       <a:tailEnd type="none" w="med" len="med"/>
                     </a:lnL>
-                    <a:lnR w="12700" cap="flat" cmpd="sng" algn="ctr">
+                    <a:lnR w="28575" cap="flat" cmpd="sng" algn="ctr">
                       <a:solidFill>
                         <a:schemeClr val="tx1"/>
                       </a:solidFill>
@@ -8334,7 +8334,7 @@
                       <a:headEnd type="none" w="med" len="med"/>
                       <a:tailEnd type="none" w="med" len="med"/>
                     </a:lnR>
-                    <a:lnT w="12700" cap="flat" cmpd="sng" algn="ctr">
+                    <a:lnT w="28575" cap="flat" cmpd="sng" algn="ctr">
                       <a:solidFill>
                         <a:schemeClr val="tx1"/>
                       </a:solidFill>
@@ -8343,7 +8343,7 @@
                       <a:headEnd type="none" w="med" len="med"/>
                       <a:tailEnd type="none" w="med" len="med"/>
                     </a:lnT>
-                    <a:lnB w="12700" cap="flat" cmpd="sng" algn="ctr">
+                    <a:lnB w="28575" cap="flat" cmpd="sng" algn="ctr">
                       <a:solidFill>
                         <a:schemeClr val="tx1"/>
                       </a:solidFill>
@@ -8488,7 +8488,7 @@
                     </a:p>
                   </a:txBody>
                   <a:tcPr horzOverflow="overflow">
-                    <a:lnL w="12700" cap="flat" cmpd="sng" algn="ctr">
+                    <a:lnL w="28575" cap="flat" cmpd="sng" algn="ctr">
                       <a:solidFill>
                         <a:schemeClr val="tx1"/>
                       </a:solidFill>
@@ -8497,7 +8497,7 @@
                       <a:headEnd type="none" w="med" len="med"/>
                       <a:tailEnd type="none" w="med" len="med"/>
                     </a:lnL>
-                    <a:lnR w="12700" cap="flat" cmpd="sng" algn="ctr">
+                    <a:lnR w="28575" cap="flat" cmpd="sng" algn="ctr">
                       <a:solidFill>
                         <a:schemeClr val="tx1"/>
                       </a:solidFill>
@@ -8506,7 +8506,7 @@
                       <a:headEnd type="none" w="med" len="med"/>
                       <a:tailEnd type="none" w="med" len="med"/>
                     </a:lnR>
-                    <a:lnT w="12700" cap="flat" cmpd="sng" algn="ctr">
+                    <a:lnT w="28575" cap="flat" cmpd="sng" algn="ctr">
                       <a:solidFill>
                         <a:schemeClr val="tx1"/>
                       </a:solidFill>
@@ -8515,7 +8515,7 @@
                       <a:headEnd type="none" w="med" len="med"/>
                       <a:tailEnd type="none" w="med" len="med"/>
                     </a:lnT>
-                    <a:lnB w="12700" cap="flat" cmpd="sng" algn="ctr">
+                    <a:lnB w="28575" cap="flat" cmpd="sng" algn="ctr">
                       <a:solidFill>
                         <a:schemeClr val="tx1"/>
                       </a:solidFill>
@@ -8609,7 +8609,7 @@
                     </a:p>
                   </a:txBody>
                   <a:tcPr horzOverflow="overflow">
-                    <a:lnL w="12700" cap="flat" cmpd="sng" algn="ctr">
+                    <a:lnL w="28575" cap="flat" cmpd="sng" algn="ctr">
                       <a:solidFill>
                         <a:schemeClr val="tx1"/>
                       </a:solidFill>
@@ -8618,7 +8618,7 @@
                       <a:headEnd type="none" w="med" len="med"/>
                       <a:tailEnd type="none" w="med" len="med"/>
                     </a:lnL>
-                    <a:lnR w="12700" cap="flat" cmpd="sng" algn="ctr">
+                    <a:lnR w="28575" cap="flat" cmpd="sng" algn="ctr">
                       <a:solidFill>
                         <a:schemeClr val="tx1"/>
                       </a:solidFill>
@@ -8627,7 +8627,7 @@
                       <a:headEnd type="none" w="med" len="med"/>
                       <a:tailEnd type="none" w="med" len="med"/>
                     </a:lnR>
-                    <a:lnT w="12700" cap="flat" cmpd="sng" algn="ctr">
+                    <a:lnT w="28575" cap="flat" cmpd="sng" algn="ctr">
                       <a:solidFill>
                         <a:schemeClr val="tx1"/>
                       </a:solidFill>
@@ -8636,7 +8636,7 @@
                       <a:headEnd type="none" w="med" len="med"/>
                       <a:tailEnd type="none" w="med" len="med"/>
                     </a:lnT>
-                    <a:lnB w="12700" cap="flat" cmpd="sng" algn="ctr">
+                    <a:lnB w="28575" cap="flat" cmpd="sng" algn="ctr">
                       <a:solidFill>
                         <a:schemeClr val="tx1"/>
                       </a:solidFill>
@@ -8767,7 +8767,7 @@
                     </a:p>
                   </a:txBody>
                   <a:tcPr horzOverflow="overflow">
-                    <a:lnL w="12700" cap="flat" cmpd="sng" algn="ctr">
+                    <a:lnL w="28575" cap="flat" cmpd="sng" algn="ctr">
                       <a:solidFill>
                         <a:schemeClr val="tx1"/>
                       </a:solidFill>
@@ -8776,7 +8776,7 @@
                       <a:headEnd type="none" w="med" len="med"/>
                       <a:tailEnd type="none" w="med" len="med"/>
                     </a:lnL>
-                    <a:lnR w="12700" cap="flat" cmpd="sng" algn="ctr">
+                    <a:lnR w="28575" cap="flat" cmpd="sng" algn="ctr">
                       <a:solidFill>
                         <a:schemeClr val="tx1"/>
                       </a:solidFill>
@@ -8785,7 +8785,7 @@
                       <a:headEnd type="none" w="med" len="med"/>
                       <a:tailEnd type="none" w="med" len="med"/>
                     </a:lnR>
-                    <a:lnT w="12700" cap="flat" cmpd="sng" algn="ctr">
+                    <a:lnT w="28575" cap="flat" cmpd="sng" algn="ctr">
                       <a:solidFill>
                         <a:schemeClr val="tx1"/>
                       </a:solidFill>
@@ -8794,7 +8794,7 @@
                       <a:headEnd type="none" w="med" len="med"/>
                       <a:tailEnd type="none" w="med" len="med"/>
                     </a:lnT>
-                    <a:lnB w="12700" cap="flat" cmpd="sng" algn="ctr">
+                    <a:lnB w="28575" cap="flat" cmpd="sng" algn="ctr">
                       <a:solidFill>
                         <a:schemeClr val="tx1"/>
                       </a:solidFill>
@@ -8888,7 +8888,7 @@
                     </a:p>
                   </a:txBody>
                   <a:tcPr horzOverflow="overflow">
-                    <a:lnL w="12700" cap="flat" cmpd="sng" algn="ctr">
+                    <a:lnL w="28575" cap="flat" cmpd="sng" algn="ctr">
                       <a:solidFill>
                         <a:schemeClr val="tx1"/>
                       </a:solidFill>
@@ -8897,7 +8897,7 @@
                       <a:headEnd type="none" w="med" len="med"/>
                       <a:tailEnd type="none" w="med" len="med"/>
                     </a:lnL>
-                    <a:lnR w="12700" cap="flat" cmpd="sng" algn="ctr">
+                    <a:lnR w="28575" cap="flat" cmpd="sng" algn="ctr">
                       <a:solidFill>
                         <a:schemeClr val="tx1"/>
                       </a:solidFill>
@@ -8906,7 +8906,7 @@
                       <a:headEnd type="none" w="med" len="med"/>
                       <a:tailEnd type="none" w="med" len="med"/>
                     </a:lnR>
-                    <a:lnT w="12700" cap="flat" cmpd="sng" algn="ctr">
+                    <a:lnT w="28575" cap="flat" cmpd="sng" algn="ctr">
                       <a:solidFill>
                         <a:schemeClr val="tx1"/>
                       </a:solidFill>
@@ -8915,7 +8915,7 @@
                       <a:headEnd type="none" w="med" len="med"/>
                       <a:tailEnd type="none" w="med" len="med"/>
                     </a:lnT>
-                    <a:lnB w="12700" cap="flat" cmpd="sng" algn="ctr">
+                    <a:lnB w="28575" cap="flat" cmpd="sng" algn="ctr">
                       <a:solidFill>
                         <a:schemeClr val="tx1"/>
                       </a:solidFill>
@@ -9046,7 +9046,7 @@
                     </a:p>
                   </a:txBody>
                   <a:tcPr horzOverflow="overflow">
-                    <a:lnL w="12700" cap="flat" cmpd="sng" algn="ctr">
+                    <a:lnL w="28575" cap="flat" cmpd="sng" algn="ctr">
                       <a:solidFill>
                         <a:schemeClr val="tx1"/>
                       </a:solidFill>
@@ -9055,7 +9055,7 @@
                       <a:headEnd type="none" w="med" len="med"/>
                       <a:tailEnd type="none" w="med" len="med"/>
                     </a:lnL>
-                    <a:lnR w="12700" cap="flat" cmpd="sng" algn="ctr">
+                    <a:lnR w="28575" cap="flat" cmpd="sng" algn="ctr">
                       <a:solidFill>
                         <a:schemeClr val="tx1"/>
                       </a:solidFill>
@@ -9064,7 +9064,7 @@
                       <a:headEnd type="none" w="med" len="med"/>
                       <a:tailEnd type="none" w="med" len="med"/>
                     </a:lnR>
-                    <a:lnT w="12700" cap="flat" cmpd="sng" algn="ctr">
+                    <a:lnT w="28575" cap="flat" cmpd="sng" algn="ctr">
                       <a:solidFill>
                         <a:schemeClr val="tx1"/>
                       </a:solidFill>
@@ -9073,7 +9073,7 @@
                       <a:headEnd type="none" w="med" len="med"/>
                       <a:tailEnd type="none" w="med" len="med"/>
                     </a:lnT>
-                    <a:lnB w="12700" cap="flat" cmpd="sng" algn="ctr">
+                    <a:lnB w="28575" cap="flat" cmpd="sng" algn="ctr">
                       <a:solidFill>
                         <a:schemeClr val="tx1"/>
                       </a:solidFill>
@@ -9133,7 +9133,7 @@
             <a:solidFill>
               <a:srgbClr val="FFFFFF"/>
             </a:solidFill>
-            <a:ln w="12700">
+            <a:ln w="28575">
               <a:solidFill>
                 <a:schemeClr val="tx1"/>
               </a:solidFill>
@@ -9167,7 +9167,7 @@
               <a:avLst/>
             </a:prstGeom>
             <a:noFill/>
-            <a:ln w="12700">
+            <a:ln w="28575">
               <a:solidFill>
                 <a:schemeClr val="tx1"/>
               </a:solidFill>
@@ -9222,7 +9222,7 @@
             <a:solidFill>
               <a:srgbClr val="FFFFFF"/>
             </a:solidFill>
-            <a:ln w="12700">
+            <a:ln w="28575">
               <a:solidFill>
                 <a:schemeClr val="tx1"/>
               </a:solidFill>
@@ -9256,7 +9256,7 @@
               <a:avLst/>
             </a:prstGeom>
             <a:noFill/>
-            <a:ln w="12700">
+            <a:ln w="28575">
               <a:solidFill>
                 <a:schemeClr val="tx1"/>
               </a:solidFill>
@@ -10240,12 +10240,8 @@
               <a:t>Ao sobrescrever ou implementar um método, podemos utilizar como tipo de retorno alguma classe filha daquele tipo definido como retorno na classe mãe ou </a:t>
             </a:r>
             <a:r>
-              <a:rPr lang="pt-BR" dirty="0" err="1" smtClean="0"/>
-              <a:t>interfacel</a:t>
-            </a:r>
-            <a:r>
               <a:rPr lang="pt-BR" dirty="0" smtClean="0"/>
-              <a:t>.</a:t>
+              <a:t>interface.</a:t>
             </a:r>
             <a:endParaRPr lang="pt-BR" dirty="0"/>
           </a:p>

--- a/2-Java-Programmer-Modulo-II/06.Capitulo01.pptx
+++ b/2-Java-Programmer-Modulo-II/06.Capitulo01.pptx
@@ -255,7 +255,7 @@
               <a:pPr>
                 <a:defRPr/>
               </a:pPr>
-              <a:t>16/04/2012</a:t>
+              <a:t>06/05/2012</a:t>
             </a:fld>
             <a:endParaRPr lang="pt-BR"/>
           </a:p>
@@ -1740,12 +1740,9 @@
             <a:pPr>
               <a:defRPr/>
             </a:pPr>
-            <a:fld id="{70AB57BD-7745-4F94-9FE2-4FEC5E058C54}" type="datetime1">
+            <a:fld id="{E199EB89-E5C3-44E2-BE6C-6EBD3C9F72AC}" type="datetime1">
               <a:rPr lang="pt-BR" smtClean="0"/>
-              <a:pPr>
-                <a:defRPr/>
-              </a:pPr>
-              <a:t>16/04/2012</a:t>
+              <a:t>06/05/2012</a:t>
             </a:fld>
             <a:endParaRPr lang="pt-BR"/>
           </a:p>
@@ -1932,12 +1929,9 @@
             <a:pPr>
               <a:defRPr/>
             </a:pPr>
-            <a:fld id="{F8A51736-94AF-473A-B304-43E1EE197AE0}" type="datetime1">
+            <a:fld id="{6F79C8D1-D3D6-424A-AF97-B54421C250A5}" type="datetime1">
               <a:rPr lang="pt-BR" smtClean="0"/>
-              <a:pPr>
-                <a:defRPr/>
-              </a:pPr>
-              <a:t>16/04/2012</a:t>
+              <a:t>06/05/2012</a:t>
             </a:fld>
             <a:endParaRPr lang="pt-BR"/>
           </a:p>
@@ -2134,12 +2128,9 @@
             <a:pPr>
               <a:defRPr/>
             </a:pPr>
-            <a:fld id="{102E3C39-0AF4-49F9-9D04-E32D318E8CF9}" type="datetime1">
+            <a:fld id="{84367B2D-D276-4037-9D03-B20F73DA4222}" type="datetime1">
               <a:rPr lang="pt-BR" smtClean="0"/>
-              <a:pPr>
-                <a:defRPr/>
-              </a:pPr>
-              <a:t>16/04/2012</a:t>
+              <a:t>06/05/2012</a:t>
             </a:fld>
             <a:endParaRPr lang="pt-BR"/>
           </a:p>
@@ -2330,12 +2321,9 @@
             <a:pPr>
               <a:defRPr/>
             </a:pPr>
-            <a:fld id="{E7AE4B11-983E-4441-8308-54CEC50BC140}" type="datetime1">
+            <a:fld id="{87C8A393-FF76-49C1-B623-DB680E21B98D}" type="datetime1">
               <a:rPr lang="pt-BR" smtClean="0"/>
-              <a:pPr>
-                <a:defRPr/>
-              </a:pPr>
-              <a:t>16/04/2012</a:t>
+              <a:t>06/05/2012</a:t>
             </a:fld>
             <a:endParaRPr lang="pt-BR"/>
           </a:p>
@@ -2836,12 +2824,9 @@
             <a:pPr>
               <a:defRPr/>
             </a:pPr>
-            <a:fld id="{C5975A03-96AE-4CBD-BDCD-221528BAD0DA}" type="datetime1">
+            <a:fld id="{36309879-BF5B-4E9B-8D72-20B80A22D50F}" type="datetime1">
               <a:rPr lang="pt-BR" smtClean="0"/>
-              <a:pPr>
-                <a:defRPr/>
-              </a:pPr>
-              <a:t>16/04/2012</a:t>
+              <a:t>06/05/2012</a:t>
             </a:fld>
             <a:endParaRPr lang="pt-BR"/>
           </a:p>
@@ -3127,12 +3112,9 @@
             <a:pPr>
               <a:defRPr/>
             </a:pPr>
-            <a:fld id="{B561BADF-7294-4039-AD95-EEFC0840AF23}" type="datetime1">
+            <a:fld id="{8242D48B-0DFD-4967-AE81-39977EFB169D}" type="datetime1">
               <a:rPr lang="pt-BR" smtClean="0"/>
-              <a:pPr>
-                <a:defRPr/>
-              </a:pPr>
-              <a:t>16/04/2012</a:t>
+              <a:t>06/05/2012</a:t>
             </a:fld>
             <a:endParaRPr lang="pt-BR"/>
           </a:p>
@@ -3528,12 +3510,9 @@
             <a:pPr>
               <a:defRPr/>
             </a:pPr>
-            <a:fld id="{DC6DDD40-BDED-4084-9C6C-63DF5CD793BC}" type="datetime1">
+            <a:fld id="{E985B991-4F77-41AE-A38F-961B1BFBE46B}" type="datetime1">
               <a:rPr lang="pt-BR" smtClean="0"/>
-              <a:pPr>
-                <a:defRPr/>
-              </a:pPr>
-              <a:t>16/04/2012</a:t>
+              <a:t>06/05/2012</a:t>
             </a:fld>
             <a:endParaRPr lang="pt-BR"/>
           </a:p>
@@ -3677,12 +3656,9 @@
             <a:pPr>
               <a:defRPr/>
             </a:pPr>
-            <a:fld id="{F2EDF0E6-D52D-4A7D-B774-7939F4694BC3}" type="datetime1">
+            <a:fld id="{63DFB4DA-7666-4DF1-AFE0-670F23708183}" type="datetime1">
               <a:rPr lang="pt-BR" smtClean="0"/>
-              <a:pPr>
-                <a:defRPr/>
-              </a:pPr>
-              <a:t>16/04/2012</a:t>
+              <a:t>06/05/2012</a:t>
             </a:fld>
             <a:endParaRPr lang="pt-BR"/>
           </a:p>
@@ -3794,12 +3770,9 @@
             <a:pPr>
               <a:defRPr/>
             </a:pPr>
-            <a:fld id="{EF8AC358-D296-4873-8A7B-FADD09BCB7DB}" type="datetime1">
+            <a:fld id="{DAC049C9-2A55-48DB-9853-2212E65AFC43}" type="datetime1">
               <a:rPr lang="pt-BR" smtClean="0"/>
-              <a:pPr>
-                <a:defRPr/>
-              </a:pPr>
-              <a:t>16/04/2012</a:t>
+              <a:t>06/05/2012</a:t>
             </a:fld>
             <a:endParaRPr lang="pt-BR"/>
           </a:p>
@@ -4070,12 +4043,9 @@
             <a:pPr>
               <a:defRPr/>
             </a:pPr>
-            <a:fld id="{50544554-937C-4971-8BC0-D3E7B9D41C50}" type="datetime1">
+            <a:fld id="{A84D63F4-B52A-4257-8152-A1001B07176F}" type="datetime1">
               <a:rPr lang="pt-BR" smtClean="0"/>
-              <a:pPr>
-                <a:defRPr/>
-              </a:pPr>
-              <a:t>16/04/2012</a:t>
+              <a:t>06/05/2012</a:t>
             </a:fld>
             <a:endParaRPr lang="pt-BR"/>
           </a:p>
@@ -4354,12 +4324,9 @@
             <a:pPr>
               <a:defRPr/>
             </a:pPr>
-            <a:fld id="{76E893A9-CDEE-47C2-B37C-A73D39A8DB22}" type="datetime1">
+            <a:fld id="{338C5074-B66F-4FB6-92B3-DA66FF5F4158}" type="datetime1">
               <a:rPr lang="pt-BR" smtClean="0"/>
-              <a:pPr>
-                <a:defRPr/>
-              </a:pPr>
-              <a:t>16/04/2012</a:t>
+              <a:t>06/05/2012</a:t>
             </a:fld>
             <a:endParaRPr lang="pt-BR"/>
           </a:p>
@@ -4832,12 +4799,9 @@
             <a:pPr>
               <a:defRPr/>
             </a:pPr>
-            <a:fld id="{5BD9B7AC-C552-4DD5-BB3A-84BD6459601D}" type="datetime1">
+            <a:fld id="{64585551-B061-4C84-84CB-2CD176D6F6EC}" type="datetime1">
               <a:rPr lang="pt-BR" smtClean="0"/>
-              <a:pPr>
-                <a:defRPr/>
-              </a:pPr>
-              <a:t>16/04/2012</a:t>
+              <a:t>06/05/2012</a:t>
             </a:fld>
             <a:endParaRPr lang="pt-BR"/>
           </a:p>
@@ -5417,12 +5381,18 @@
             </a:pPr>
             <a:r>
               <a:rPr lang="pt-BR" cap="none" dirty="0" smtClean="0"/>
-              <a:t>Retorno </a:t>
-            </a:r>
-            <a:r>
-              <a:rPr lang="pt-BR" cap="none" dirty="0" err="1" smtClean="0"/>
-              <a:t>Covariante</a:t>
-            </a:r>
+              <a:t>Retorno Covariante</a:t>
+            </a:r>
+            <a:br>
+              <a:rPr lang="pt-BR" cap="none" dirty="0" smtClean="0"/>
+            </a:br>
+            <a:r>
+              <a:rPr lang="pt-BR" sz="1800" cap="none" dirty="0" smtClean="0"/>
+              <a:t>Pág. 40 e 41</a:t>
+            </a:r>
+            <a:br>
+              <a:rPr lang="pt-BR" sz="1800" cap="none" dirty="0" smtClean="0"/>
+            </a:br>
             <a:endParaRPr lang="pt-BR" cap="none" dirty="0"/>
           </a:p>
         </p:txBody>
@@ -6913,6 +6883,35 @@
           </p:txBody>
         </p:sp>
       </p:grpSp>
+      <p:sp>
+        <p:nvSpPr>
+          <p:cNvPr id="13" name="Espaço Reservado para Número de Slide 12"/>
+          <p:cNvSpPr>
+            <a:spLocks noGrp="1"/>
+          </p:cNvSpPr>
+          <p:nvPr>
+            <p:ph type="sldNum" sz="quarter" idx="12"/>
+          </p:nvPr>
+        </p:nvSpPr>
+        <p:spPr/>
+        <p:txBody>
+          <a:bodyPr/>
+          <a:lstStyle/>
+          <a:p>
+            <a:pPr>
+              <a:defRPr/>
+            </a:pPr>
+            <a:fld id="{5F1017F5-B0E6-4AC8-92BA-3F40B24F0FCD}" type="slidenum">
+              <a:rPr lang="pt-BR" smtClean="0"/>
+              <a:pPr>
+                <a:defRPr/>
+              </a:pPr>
+              <a:t>3</a:t>
+            </a:fld>
+            <a:endParaRPr lang="pt-BR"/>
+          </a:p>
+        </p:txBody>
+      </p:sp>
     </p:spTree>
   </p:cSld>
   <p:clrMapOvr>
@@ -8076,6 +8075,35 @@
           </p:txBody>
         </p:sp>
       </p:grpSp>
+      <p:sp>
+        <p:nvSpPr>
+          <p:cNvPr id="12" name="Espaço Reservado para Número de Slide 11"/>
+          <p:cNvSpPr>
+            <a:spLocks noGrp="1"/>
+          </p:cNvSpPr>
+          <p:nvPr>
+            <p:ph type="sldNum" sz="quarter" idx="12"/>
+          </p:nvPr>
+        </p:nvSpPr>
+        <p:spPr/>
+        <p:txBody>
+          <a:bodyPr/>
+          <a:lstStyle/>
+          <a:p>
+            <a:pPr>
+              <a:defRPr/>
+            </a:pPr>
+            <a:fld id="{5F1017F5-B0E6-4AC8-92BA-3F40B24F0FCD}" type="slidenum">
+              <a:rPr lang="pt-BR" smtClean="0"/>
+              <a:pPr>
+                <a:defRPr/>
+              </a:pPr>
+              <a:t>4</a:t>
+            </a:fld>
+            <a:endParaRPr lang="pt-BR"/>
+          </a:p>
+        </p:txBody>
+      </p:sp>
     </p:spTree>
   </p:cSld>
   <p:clrMapOvr>
@@ -9274,6 +9302,35 @@
           </p:txBody>
         </p:sp>
       </p:grpSp>
+      <p:sp>
+        <p:nvSpPr>
+          <p:cNvPr id="12" name="Espaço Reservado para Número de Slide 11"/>
+          <p:cNvSpPr>
+            <a:spLocks noGrp="1"/>
+          </p:cNvSpPr>
+          <p:nvPr>
+            <p:ph type="sldNum" sz="quarter" idx="12"/>
+          </p:nvPr>
+        </p:nvSpPr>
+        <p:spPr/>
+        <p:txBody>
+          <a:bodyPr/>
+          <a:lstStyle/>
+          <a:p>
+            <a:pPr>
+              <a:defRPr/>
+            </a:pPr>
+            <a:fld id="{5F1017F5-B0E6-4AC8-92BA-3F40B24F0FCD}" type="slidenum">
+              <a:rPr lang="pt-BR" smtClean="0"/>
+              <a:pPr>
+                <a:defRPr/>
+              </a:pPr>
+              <a:t>5</a:t>
+            </a:fld>
+            <a:endParaRPr lang="pt-BR"/>
+          </a:p>
+        </p:txBody>
+      </p:sp>
     </p:spTree>
   </p:cSld>
   <p:clrMapOvr>
@@ -10237,11 +10294,7 @@
           <a:p>
             <a:r>
               <a:rPr lang="pt-BR" dirty="0" smtClean="0"/>
-              <a:t>Ao sobrescrever ou implementar um método, podemos utilizar como tipo de retorno alguma classe filha daquele tipo definido como retorno na classe mãe ou </a:t>
-            </a:r>
-            <a:r>
-              <a:rPr lang="pt-BR" dirty="0" smtClean="0"/>
-              <a:t>interface.</a:t>
+              <a:t>Ao sobrescrever ou implementar um método, podemos utilizar como tipo de retorno alguma classe filha daquele tipo definido como retorno na classe mãe ou interface.</a:t>
             </a:r>
             <a:endParaRPr lang="pt-BR" dirty="0"/>
           </a:p>

--- a/2-Java-Programmer-Modulo-II/06.Capitulo01.pptx
+++ b/2-Java-Programmer-Modulo-II/06.Capitulo01.pptx
@@ -255,7 +255,7 @@
               <a:pPr>
                 <a:defRPr/>
               </a:pPr>
-              <a:t>06/05/2012</a:t>
+              <a:t>30/6/2012</a:t>
             </a:fld>
             <a:endParaRPr lang="pt-BR"/>
           </a:p>
@@ -1742,7 +1742,10 @@
             </a:pPr>
             <a:fld id="{E199EB89-E5C3-44E2-BE6C-6EBD3C9F72AC}" type="datetime1">
               <a:rPr lang="pt-BR" smtClean="0"/>
-              <a:t>06/05/2012</a:t>
+              <a:pPr>
+                <a:defRPr/>
+              </a:pPr>
+              <a:t>30/6/2012</a:t>
             </a:fld>
             <a:endParaRPr lang="pt-BR"/>
           </a:p>
@@ -1931,7 +1934,10 @@
             </a:pPr>
             <a:fld id="{6F79C8D1-D3D6-424A-AF97-B54421C250A5}" type="datetime1">
               <a:rPr lang="pt-BR" smtClean="0"/>
-              <a:t>06/05/2012</a:t>
+              <a:pPr>
+                <a:defRPr/>
+              </a:pPr>
+              <a:t>30/6/2012</a:t>
             </a:fld>
             <a:endParaRPr lang="pt-BR"/>
           </a:p>
@@ -2130,7 +2136,10 @@
             </a:pPr>
             <a:fld id="{84367B2D-D276-4037-9D03-B20F73DA4222}" type="datetime1">
               <a:rPr lang="pt-BR" smtClean="0"/>
-              <a:t>06/05/2012</a:t>
+              <a:pPr>
+                <a:defRPr/>
+              </a:pPr>
+              <a:t>30/6/2012</a:t>
             </a:fld>
             <a:endParaRPr lang="pt-BR"/>
           </a:p>
@@ -2323,7 +2332,10 @@
             </a:pPr>
             <a:fld id="{87C8A393-FF76-49C1-B623-DB680E21B98D}" type="datetime1">
               <a:rPr lang="pt-BR" smtClean="0"/>
-              <a:t>06/05/2012</a:t>
+              <a:pPr>
+                <a:defRPr/>
+              </a:pPr>
+              <a:t>30/6/2012</a:t>
             </a:fld>
             <a:endParaRPr lang="pt-BR"/>
           </a:p>
@@ -2826,7 +2838,10 @@
             </a:pPr>
             <a:fld id="{36309879-BF5B-4E9B-8D72-20B80A22D50F}" type="datetime1">
               <a:rPr lang="pt-BR" smtClean="0"/>
-              <a:t>06/05/2012</a:t>
+              <a:pPr>
+                <a:defRPr/>
+              </a:pPr>
+              <a:t>30/6/2012</a:t>
             </a:fld>
             <a:endParaRPr lang="pt-BR"/>
           </a:p>
@@ -3114,7 +3129,10 @@
             </a:pPr>
             <a:fld id="{8242D48B-0DFD-4967-AE81-39977EFB169D}" type="datetime1">
               <a:rPr lang="pt-BR" smtClean="0"/>
-              <a:t>06/05/2012</a:t>
+              <a:pPr>
+                <a:defRPr/>
+              </a:pPr>
+              <a:t>30/6/2012</a:t>
             </a:fld>
             <a:endParaRPr lang="pt-BR"/>
           </a:p>
@@ -3512,7 +3530,10 @@
             </a:pPr>
             <a:fld id="{E985B991-4F77-41AE-A38F-961B1BFBE46B}" type="datetime1">
               <a:rPr lang="pt-BR" smtClean="0"/>
-              <a:t>06/05/2012</a:t>
+              <a:pPr>
+                <a:defRPr/>
+              </a:pPr>
+              <a:t>30/6/2012</a:t>
             </a:fld>
             <a:endParaRPr lang="pt-BR"/>
           </a:p>
@@ -3658,7 +3679,10 @@
             </a:pPr>
             <a:fld id="{63DFB4DA-7666-4DF1-AFE0-670F23708183}" type="datetime1">
               <a:rPr lang="pt-BR" smtClean="0"/>
-              <a:t>06/05/2012</a:t>
+              <a:pPr>
+                <a:defRPr/>
+              </a:pPr>
+              <a:t>30/6/2012</a:t>
             </a:fld>
             <a:endParaRPr lang="pt-BR"/>
           </a:p>
@@ -3772,7 +3796,10 @@
             </a:pPr>
             <a:fld id="{DAC049C9-2A55-48DB-9853-2212E65AFC43}" type="datetime1">
               <a:rPr lang="pt-BR" smtClean="0"/>
-              <a:t>06/05/2012</a:t>
+              <a:pPr>
+                <a:defRPr/>
+              </a:pPr>
+              <a:t>30/6/2012</a:t>
             </a:fld>
             <a:endParaRPr lang="pt-BR"/>
           </a:p>
@@ -4045,7 +4072,10 @@
             </a:pPr>
             <a:fld id="{A84D63F4-B52A-4257-8152-A1001B07176F}" type="datetime1">
               <a:rPr lang="pt-BR" smtClean="0"/>
-              <a:t>06/05/2012</a:t>
+              <a:pPr>
+                <a:defRPr/>
+              </a:pPr>
+              <a:t>30/6/2012</a:t>
             </a:fld>
             <a:endParaRPr lang="pt-BR"/>
           </a:p>
@@ -4326,7 +4356,10 @@
             </a:pPr>
             <a:fld id="{338C5074-B66F-4FB6-92B3-DA66FF5F4158}" type="datetime1">
               <a:rPr lang="pt-BR" smtClean="0"/>
-              <a:t>06/05/2012</a:t>
+              <a:pPr>
+                <a:defRPr/>
+              </a:pPr>
+              <a:t>30/6/2012</a:t>
             </a:fld>
             <a:endParaRPr lang="pt-BR"/>
           </a:p>
@@ -4801,7 +4834,10 @@
             </a:pPr>
             <a:fld id="{64585551-B061-4C84-84CB-2CD176D6F6EC}" type="datetime1">
               <a:rPr lang="pt-BR" smtClean="0"/>
-              <a:t>06/05/2012</a:t>
+              <a:pPr>
+                <a:defRPr/>
+              </a:pPr>
+              <a:t>30/6/2012</a:t>
             </a:fld>
             <a:endParaRPr lang="pt-BR"/>
           </a:p>
@@ -6954,7 +6990,12 @@
             <p:ph type="title"/>
           </p:nvPr>
         </p:nvSpPr>
-        <p:spPr/>
+        <p:spPr>
+          <a:xfrm>
+            <a:off x="457200" y="274320"/>
+            <a:ext cx="8258204" cy="1143000"/>
+          </a:xfrm>
+        </p:spPr>
         <p:txBody>
           <a:bodyPr/>
           <a:lstStyle/>
@@ -9373,7 +9414,12 @@
             <p:ph type="title"/>
           </p:nvPr>
         </p:nvSpPr>
-        <p:spPr/>
+        <p:spPr>
+          <a:xfrm>
+            <a:off x="457200" y="274638"/>
+            <a:ext cx="8258204" cy="1143000"/>
+          </a:xfrm>
+        </p:spPr>
         <p:txBody>
           <a:bodyPr/>
           <a:lstStyle/>
@@ -10254,7 +10300,7 @@
         <p:spPr>
           <a:xfrm>
             <a:off x="457200" y="274638"/>
-            <a:ext cx="7859216" cy="1143000"/>
+            <a:ext cx="8258204" cy="1143000"/>
           </a:xfrm>
         </p:spPr>
         <p:txBody>

--- a/2-Java-Programmer-Modulo-II/06.Capitulo01.pptx
+++ b/2-Java-Programmer-Modulo-II/06.Capitulo01.pptx
@@ -255,7 +255,7 @@
               <a:pPr>
                 <a:defRPr/>
               </a:pPr>
-              <a:t>30/6/2012</a:t>
+              <a:t>06/05/2012</a:t>
             </a:fld>
             <a:endParaRPr lang="pt-BR"/>
           </a:p>
@@ -1742,10 +1742,7 @@
             </a:pPr>
             <a:fld id="{E199EB89-E5C3-44E2-BE6C-6EBD3C9F72AC}" type="datetime1">
               <a:rPr lang="pt-BR" smtClean="0"/>
-              <a:pPr>
-                <a:defRPr/>
-              </a:pPr>
-              <a:t>30/6/2012</a:t>
+              <a:t>06/05/2012</a:t>
             </a:fld>
             <a:endParaRPr lang="pt-BR"/>
           </a:p>
@@ -1934,10 +1931,7 @@
             </a:pPr>
             <a:fld id="{6F79C8D1-D3D6-424A-AF97-B54421C250A5}" type="datetime1">
               <a:rPr lang="pt-BR" smtClean="0"/>
-              <a:pPr>
-                <a:defRPr/>
-              </a:pPr>
-              <a:t>30/6/2012</a:t>
+              <a:t>06/05/2012</a:t>
             </a:fld>
             <a:endParaRPr lang="pt-BR"/>
           </a:p>
@@ -2136,10 +2130,7 @@
             </a:pPr>
             <a:fld id="{84367B2D-D276-4037-9D03-B20F73DA4222}" type="datetime1">
               <a:rPr lang="pt-BR" smtClean="0"/>
-              <a:pPr>
-                <a:defRPr/>
-              </a:pPr>
-              <a:t>30/6/2012</a:t>
+              <a:t>06/05/2012</a:t>
             </a:fld>
             <a:endParaRPr lang="pt-BR"/>
           </a:p>
@@ -2332,10 +2323,7 @@
             </a:pPr>
             <a:fld id="{87C8A393-FF76-49C1-B623-DB680E21B98D}" type="datetime1">
               <a:rPr lang="pt-BR" smtClean="0"/>
-              <a:pPr>
-                <a:defRPr/>
-              </a:pPr>
-              <a:t>30/6/2012</a:t>
+              <a:t>06/05/2012</a:t>
             </a:fld>
             <a:endParaRPr lang="pt-BR"/>
           </a:p>
@@ -2838,10 +2826,7 @@
             </a:pPr>
             <a:fld id="{36309879-BF5B-4E9B-8D72-20B80A22D50F}" type="datetime1">
               <a:rPr lang="pt-BR" smtClean="0"/>
-              <a:pPr>
-                <a:defRPr/>
-              </a:pPr>
-              <a:t>30/6/2012</a:t>
+              <a:t>06/05/2012</a:t>
             </a:fld>
             <a:endParaRPr lang="pt-BR"/>
           </a:p>
@@ -3129,10 +3114,7 @@
             </a:pPr>
             <a:fld id="{8242D48B-0DFD-4967-AE81-39977EFB169D}" type="datetime1">
               <a:rPr lang="pt-BR" smtClean="0"/>
-              <a:pPr>
-                <a:defRPr/>
-              </a:pPr>
-              <a:t>30/6/2012</a:t>
+              <a:t>06/05/2012</a:t>
             </a:fld>
             <a:endParaRPr lang="pt-BR"/>
           </a:p>
@@ -3530,10 +3512,7 @@
             </a:pPr>
             <a:fld id="{E985B991-4F77-41AE-A38F-961B1BFBE46B}" type="datetime1">
               <a:rPr lang="pt-BR" smtClean="0"/>
-              <a:pPr>
-                <a:defRPr/>
-              </a:pPr>
-              <a:t>30/6/2012</a:t>
+              <a:t>06/05/2012</a:t>
             </a:fld>
             <a:endParaRPr lang="pt-BR"/>
           </a:p>
@@ -3679,10 +3658,7 @@
             </a:pPr>
             <a:fld id="{63DFB4DA-7666-4DF1-AFE0-670F23708183}" type="datetime1">
               <a:rPr lang="pt-BR" smtClean="0"/>
-              <a:pPr>
-                <a:defRPr/>
-              </a:pPr>
-              <a:t>30/6/2012</a:t>
+              <a:t>06/05/2012</a:t>
             </a:fld>
             <a:endParaRPr lang="pt-BR"/>
           </a:p>
@@ -3796,10 +3772,7 @@
             </a:pPr>
             <a:fld id="{DAC049C9-2A55-48DB-9853-2212E65AFC43}" type="datetime1">
               <a:rPr lang="pt-BR" smtClean="0"/>
-              <a:pPr>
-                <a:defRPr/>
-              </a:pPr>
-              <a:t>30/6/2012</a:t>
+              <a:t>06/05/2012</a:t>
             </a:fld>
             <a:endParaRPr lang="pt-BR"/>
           </a:p>
@@ -4072,10 +4045,7 @@
             </a:pPr>
             <a:fld id="{A84D63F4-B52A-4257-8152-A1001B07176F}" type="datetime1">
               <a:rPr lang="pt-BR" smtClean="0"/>
-              <a:pPr>
-                <a:defRPr/>
-              </a:pPr>
-              <a:t>30/6/2012</a:t>
+              <a:t>06/05/2012</a:t>
             </a:fld>
             <a:endParaRPr lang="pt-BR"/>
           </a:p>
@@ -4356,10 +4326,7 @@
             </a:pPr>
             <a:fld id="{338C5074-B66F-4FB6-92B3-DA66FF5F4158}" type="datetime1">
               <a:rPr lang="pt-BR" smtClean="0"/>
-              <a:pPr>
-                <a:defRPr/>
-              </a:pPr>
-              <a:t>30/6/2012</a:t>
+              <a:t>06/05/2012</a:t>
             </a:fld>
             <a:endParaRPr lang="pt-BR"/>
           </a:p>
@@ -4834,10 +4801,7 @@
             </a:pPr>
             <a:fld id="{64585551-B061-4C84-84CB-2CD176D6F6EC}" type="datetime1">
               <a:rPr lang="pt-BR" smtClean="0"/>
-              <a:pPr>
-                <a:defRPr/>
-              </a:pPr>
-              <a:t>30/6/2012</a:t>
+              <a:t>06/05/2012</a:t>
             </a:fld>
             <a:endParaRPr lang="pt-BR"/>
           </a:p>
@@ -6990,12 +6954,7 @@
             <p:ph type="title"/>
           </p:nvPr>
         </p:nvSpPr>
-        <p:spPr>
-          <a:xfrm>
-            <a:off x="457200" y="274320"/>
-            <a:ext cx="8258204" cy="1143000"/>
-          </a:xfrm>
-        </p:spPr>
+        <p:spPr/>
         <p:txBody>
           <a:bodyPr/>
           <a:lstStyle/>
@@ -9414,12 +9373,7 @@
             <p:ph type="title"/>
           </p:nvPr>
         </p:nvSpPr>
-        <p:spPr>
-          <a:xfrm>
-            <a:off x="457200" y="274638"/>
-            <a:ext cx="8258204" cy="1143000"/>
-          </a:xfrm>
-        </p:spPr>
+        <p:spPr/>
         <p:txBody>
           <a:bodyPr/>
           <a:lstStyle/>
@@ -10300,7 +10254,7 @@
         <p:spPr>
           <a:xfrm>
             <a:off x="457200" y="274638"/>
-            <a:ext cx="8258204" cy="1143000"/>
+            <a:ext cx="7859216" cy="1143000"/>
           </a:xfrm>
         </p:spPr>
         <p:txBody>

--- a/2-Java-Programmer-Modulo-II/06.Capitulo01.pptx
+++ b/2-Java-Programmer-Modulo-II/06.Capitulo01.pptx
@@ -255,7 +255,7 @@
               <a:pPr>
                 <a:defRPr/>
               </a:pPr>
-              <a:t>06/05/2012</a:t>
+              <a:t>24/09/2012</a:t>
             </a:fld>
             <a:endParaRPr lang="pt-BR"/>
           </a:p>
@@ -443,7 +443,7 @@
               <a:pPr>
                 <a:defRPr/>
               </a:pPr>
-              <a:t>‹nº›</a:t>
+              <a:t>‹#›</a:t>
             </a:fld>
             <a:endParaRPr lang="pt-BR"/>
           </a:p>
@@ -1742,7 +1742,10 @@
             </a:pPr>
             <a:fld id="{E199EB89-E5C3-44E2-BE6C-6EBD3C9F72AC}" type="datetime1">
               <a:rPr lang="pt-BR" smtClean="0"/>
-              <a:t>06/05/2012</a:t>
+              <a:pPr>
+                <a:defRPr/>
+              </a:pPr>
+              <a:t>24/09/2012</a:t>
             </a:fld>
             <a:endParaRPr lang="pt-BR"/>
           </a:p>
@@ -1801,7 +1804,7 @@
               <a:pPr>
                 <a:defRPr/>
               </a:pPr>
-              <a:t>‹nº›</a:t>
+              <a:t>‹#›</a:t>
             </a:fld>
             <a:endParaRPr lang="pt-BR"/>
           </a:p>
@@ -1931,7 +1934,10 @@
             </a:pPr>
             <a:fld id="{6F79C8D1-D3D6-424A-AF97-B54421C250A5}" type="datetime1">
               <a:rPr lang="pt-BR" smtClean="0"/>
-              <a:t>06/05/2012</a:t>
+              <a:pPr>
+                <a:defRPr/>
+              </a:pPr>
+              <a:t>24/09/2012</a:t>
             </a:fld>
             <a:endParaRPr lang="pt-BR"/>
           </a:p>
@@ -1990,7 +1996,7 @@
               <a:pPr>
                 <a:defRPr/>
               </a:pPr>
-              <a:t>‹nº›</a:t>
+              <a:t>‹#›</a:t>
             </a:fld>
             <a:endParaRPr lang="pt-BR"/>
           </a:p>
@@ -2130,7 +2136,10 @@
             </a:pPr>
             <a:fld id="{84367B2D-D276-4037-9D03-B20F73DA4222}" type="datetime1">
               <a:rPr lang="pt-BR" smtClean="0"/>
-              <a:t>06/05/2012</a:t>
+              <a:pPr>
+                <a:defRPr/>
+              </a:pPr>
+              <a:t>24/09/2012</a:t>
             </a:fld>
             <a:endParaRPr lang="pt-BR"/>
           </a:p>
@@ -2189,7 +2198,7 @@
               <a:pPr>
                 <a:defRPr/>
               </a:pPr>
-              <a:t>‹nº›</a:t>
+              <a:t>‹#›</a:t>
             </a:fld>
             <a:endParaRPr lang="pt-BR"/>
           </a:p>
@@ -2323,7 +2332,10 @@
             </a:pPr>
             <a:fld id="{87C8A393-FF76-49C1-B623-DB680E21B98D}" type="datetime1">
               <a:rPr lang="pt-BR" smtClean="0"/>
-              <a:t>06/05/2012</a:t>
+              <a:pPr>
+                <a:defRPr/>
+              </a:pPr>
+              <a:t>24/09/2012</a:t>
             </a:fld>
             <a:endParaRPr lang="pt-BR"/>
           </a:p>
@@ -2382,7 +2394,7 @@
               <a:pPr>
                 <a:defRPr/>
               </a:pPr>
-              <a:t>‹nº›</a:t>
+              <a:t>‹#›</a:t>
             </a:fld>
             <a:endParaRPr lang="pt-BR"/>
           </a:p>
@@ -2826,7 +2838,10 @@
             </a:pPr>
             <a:fld id="{36309879-BF5B-4E9B-8D72-20B80A22D50F}" type="datetime1">
               <a:rPr lang="pt-BR" smtClean="0"/>
-              <a:t>06/05/2012</a:t>
+              <a:pPr>
+                <a:defRPr/>
+              </a:pPr>
+              <a:t>24/09/2012</a:t>
             </a:fld>
             <a:endParaRPr lang="pt-BR"/>
           </a:p>
@@ -2885,7 +2900,7 @@
               <a:pPr>
                 <a:defRPr/>
               </a:pPr>
-              <a:t>‹nº›</a:t>
+              <a:t>‹#›</a:t>
             </a:fld>
             <a:endParaRPr lang="pt-BR"/>
           </a:p>
@@ -3114,7 +3129,10 @@
             </a:pPr>
             <a:fld id="{8242D48B-0DFD-4967-AE81-39977EFB169D}" type="datetime1">
               <a:rPr lang="pt-BR" smtClean="0"/>
-              <a:t>06/05/2012</a:t>
+              <a:pPr>
+                <a:defRPr/>
+              </a:pPr>
+              <a:t>24/09/2012</a:t>
             </a:fld>
             <a:endParaRPr lang="pt-BR"/>
           </a:p>
@@ -3173,7 +3191,7 @@
               <a:pPr>
                 <a:defRPr/>
               </a:pPr>
-              <a:t>‹nº›</a:t>
+              <a:t>‹#›</a:t>
             </a:fld>
             <a:endParaRPr lang="pt-BR"/>
           </a:p>
@@ -3512,7 +3530,10 @@
             </a:pPr>
             <a:fld id="{E985B991-4F77-41AE-A38F-961B1BFBE46B}" type="datetime1">
               <a:rPr lang="pt-BR" smtClean="0"/>
-              <a:t>06/05/2012</a:t>
+              <a:pPr>
+                <a:defRPr/>
+              </a:pPr>
+              <a:t>24/09/2012</a:t>
             </a:fld>
             <a:endParaRPr lang="pt-BR"/>
           </a:p>
@@ -3571,7 +3592,7 @@
               <a:pPr>
                 <a:defRPr/>
               </a:pPr>
-              <a:t>‹nº›</a:t>
+              <a:t>‹#›</a:t>
             </a:fld>
             <a:endParaRPr lang="pt-BR"/>
           </a:p>
@@ -3615,7 +3636,7 @@
         <p:spPr>
           <a:xfrm>
             <a:off x="457200" y="274320"/>
-            <a:ext cx="7470648" cy="1143000"/>
+            <a:ext cx="8329642" cy="1143000"/>
           </a:xfrm>
         </p:spPr>
         <p:txBody>
@@ -3627,10 +3648,10 @@
           </a:lstStyle>
           <a:p>
             <a:r>
-              <a:rPr lang="pt-BR" smtClean="0"/>
+              <a:rPr lang="pt-BR" dirty="0" smtClean="0"/>
               <a:t>Clique para editar o estilo do título mestre</a:t>
             </a:r>
-            <a:endParaRPr lang="en-US"/>
+            <a:endParaRPr lang="en-US" dirty="0"/>
           </a:p>
         </p:txBody>
       </p:sp>
@@ -3658,7 +3679,10 @@
             </a:pPr>
             <a:fld id="{63DFB4DA-7666-4DF1-AFE0-670F23708183}" type="datetime1">
               <a:rPr lang="pt-BR" smtClean="0"/>
-              <a:t>06/05/2012</a:t>
+              <a:pPr>
+                <a:defRPr/>
+              </a:pPr>
+              <a:t>24/09/2012</a:t>
             </a:fld>
             <a:endParaRPr lang="pt-BR"/>
           </a:p>
@@ -3717,7 +3741,7 @@
               <a:pPr>
                 <a:defRPr/>
               </a:pPr>
-              <a:t>‹nº›</a:t>
+              <a:t>‹#›</a:t>
             </a:fld>
             <a:endParaRPr lang="pt-BR"/>
           </a:p>
@@ -3772,7 +3796,10 @@
             </a:pPr>
             <a:fld id="{DAC049C9-2A55-48DB-9853-2212E65AFC43}" type="datetime1">
               <a:rPr lang="pt-BR" smtClean="0"/>
-              <a:t>06/05/2012</a:t>
+              <a:pPr>
+                <a:defRPr/>
+              </a:pPr>
+              <a:t>24/09/2012</a:t>
             </a:fld>
             <a:endParaRPr lang="pt-BR"/>
           </a:p>
@@ -3831,7 +3858,7 @@
               <a:pPr>
                 <a:defRPr/>
               </a:pPr>
-              <a:t>‹nº›</a:t>
+              <a:t>‹#›</a:t>
             </a:fld>
             <a:endParaRPr lang="pt-BR"/>
           </a:p>
@@ -4045,7 +4072,10 @@
             </a:pPr>
             <a:fld id="{A84D63F4-B52A-4257-8152-A1001B07176F}" type="datetime1">
               <a:rPr lang="pt-BR" smtClean="0"/>
-              <a:t>06/05/2012</a:t>
+              <a:pPr>
+                <a:defRPr/>
+              </a:pPr>
+              <a:t>24/09/2012</a:t>
             </a:fld>
             <a:endParaRPr lang="pt-BR"/>
           </a:p>
@@ -4109,7 +4139,7 @@
               <a:pPr>
                 <a:defRPr/>
               </a:pPr>
-              <a:t>‹nº›</a:t>
+              <a:t>‹#›</a:t>
             </a:fld>
             <a:endParaRPr lang="pt-BR"/>
           </a:p>
@@ -4326,7 +4356,10 @@
             </a:pPr>
             <a:fld id="{338C5074-B66F-4FB6-92B3-DA66FF5F4158}" type="datetime1">
               <a:rPr lang="pt-BR" smtClean="0"/>
-              <a:t>06/05/2012</a:t>
+              <a:pPr>
+                <a:defRPr/>
+              </a:pPr>
+              <a:t>24/09/2012</a:t>
             </a:fld>
             <a:endParaRPr lang="pt-BR"/>
           </a:p>
@@ -4385,7 +4418,7 @@
               <a:pPr>
                 <a:defRPr/>
               </a:pPr>
-              <a:t>‹nº›</a:t>
+              <a:t>‹#›</a:t>
             </a:fld>
             <a:endParaRPr lang="pt-BR"/>
           </a:p>
@@ -4801,7 +4834,10 @@
             </a:pPr>
             <a:fld id="{64585551-B061-4C84-84CB-2CD176D6F6EC}" type="datetime1">
               <a:rPr lang="pt-BR" smtClean="0"/>
-              <a:t>06/05/2012</a:t>
+              <a:pPr>
+                <a:defRPr/>
+              </a:pPr>
+              <a:t>24/09/2012</a:t>
             </a:fld>
             <a:endParaRPr lang="pt-BR"/>
           </a:p>
@@ -4904,7 +4940,7 @@
               <a:pPr>
                 <a:defRPr/>
               </a:pPr>
-              <a:t>‹nº›</a:t>
+              <a:t>‹#›</a:t>
             </a:fld>
             <a:endParaRPr lang="pt-BR"/>
           </a:p>
